--- a/units/7/lessons/7/resources/petascale-lesson-7.7-slides.pptx
+++ b/units/7/lessons/7/resources/petascale-lesson-7.7-slides.pptx
@@ -9,7 +9,7 @@
   </p:notesMasterIdLst>
   <p:sldIdLst>
     <p:sldId id="276" r:id="rId2"/>
-    <p:sldId id="277" r:id="rId3"/>
+    <p:sldId id="278" r:id="rId3"/>
     <p:sldId id="256" r:id="rId4"/>
     <p:sldId id="257" r:id="rId5"/>
     <p:sldId id="258" r:id="rId6"/>
@@ -2039,7 +2039,7 @@
           <a:p>
             <a:fld id="{54A323A8-CB25-4140-83D0-07D02E6AE444}" type="datetimeFigureOut">
               <a:rPr lang="en-US" smtClean="0"/>
-              <a:t>9/12/20</a:t>
+              <a:t>10/11/20</a:t>
             </a:fld>
             <a:endParaRPr lang="en-US"/>
           </a:p>
@@ -2581,7 +2581,7 @@
           <p:cNvPr id="2" name="Title 1">
             <a:extLst>
               <a:ext uri="{FF2B5EF4-FFF2-40B4-BE49-F238E27FC236}">
-                <a16:creationId xmlns:a16="http://schemas.microsoft.com/office/drawing/2014/main" xmlns="" id="{060A1A6C-9E03-4413-A93E-E3DE2FBB3455}"/>
+                <a16:creationId xmlns="" xmlns:a16="http://schemas.microsoft.com/office/drawing/2014/main" id="{060A1A6C-9E03-4413-A93E-E3DE2FBB3455}"/>
               </a:ext>
             </a:extLst>
           </p:cNvPr>
@@ -2618,7 +2618,7 @@
           <p:cNvPr id="3" name="Subtitle 2">
             <a:extLst>
               <a:ext uri="{FF2B5EF4-FFF2-40B4-BE49-F238E27FC236}">
-                <a16:creationId xmlns:a16="http://schemas.microsoft.com/office/drawing/2014/main" xmlns="" id="{3707BE1C-A683-455D-88F4-32FB53CCA1EA}"/>
+                <a16:creationId xmlns="" xmlns:a16="http://schemas.microsoft.com/office/drawing/2014/main" id="{3707BE1C-A683-455D-88F4-32FB53CCA1EA}"/>
               </a:ext>
             </a:extLst>
           </p:cNvPr>
@@ -2688,7 +2688,7 @@
           <p:cNvPr id="4" name="Date Placeholder 3">
             <a:extLst>
               <a:ext uri="{FF2B5EF4-FFF2-40B4-BE49-F238E27FC236}">
-                <a16:creationId xmlns:a16="http://schemas.microsoft.com/office/drawing/2014/main" xmlns="" id="{2FF2431F-01D0-46F8-B2D6-1F802200CCF5}"/>
+                <a16:creationId xmlns="" xmlns:a16="http://schemas.microsoft.com/office/drawing/2014/main" id="{2FF2431F-01D0-46F8-B2D6-1F802200CCF5}"/>
               </a:ext>
             </a:extLst>
           </p:cNvPr>
@@ -2706,7 +2706,7 @@
           <a:p>
             <a:fld id="{E4004303-3105-44D2-B3BF-2D95E1088141}" type="datetimeFigureOut">
               <a:rPr lang="en-US" smtClean="0"/>
-              <a:t>9/12/20</a:t>
+              <a:t>10/11/20</a:t>
             </a:fld>
             <a:endParaRPr lang="en-US"/>
           </a:p>
@@ -2717,7 +2717,7 @@
           <p:cNvPr id="5" name="Footer Placeholder 4">
             <a:extLst>
               <a:ext uri="{FF2B5EF4-FFF2-40B4-BE49-F238E27FC236}">
-                <a16:creationId xmlns:a16="http://schemas.microsoft.com/office/drawing/2014/main" xmlns="" id="{3E87F5F1-040F-46E6-AEC0-4AA65A34E398}"/>
+                <a16:creationId xmlns="" xmlns:a16="http://schemas.microsoft.com/office/drawing/2014/main" id="{3E87F5F1-040F-46E6-AEC0-4AA65A34E398}"/>
               </a:ext>
             </a:extLst>
           </p:cNvPr>
@@ -2742,7 +2742,7 @@
           <p:cNvPr id="6" name="Slide Number Placeholder 5">
             <a:extLst>
               <a:ext uri="{FF2B5EF4-FFF2-40B4-BE49-F238E27FC236}">
-                <a16:creationId xmlns:a16="http://schemas.microsoft.com/office/drawing/2014/main" xmlns="" id="{1EF4A06E-B0FF-4E2B-8992-14F1D9D3ED79}"/>
+                <a16:creationId xmlns="" xmlns:a16="http://schemas.microsoft.com/office/drawing/2014/main" id="{1EF4A06E-B0FF-4E2B-8992-14F1D9D3ED79}"/>
               </a:ext>
             </a:extLst>
           </p:cNvPr>
@@ -2801,7 +2801,7 @@
           <p:cNvPr id="2" name="Title 1">
             <a:extLst>
               <a:ext uri="{FF2B5EF4-FFF2-40B4-BE49-F238E27FC236}">
-                <a16:creationId xmlns:a16="http://schemas.microsoft.com/office/drawing/2014/main" xmlns="" id="{9BCFE216-947F-48ED-B736-D3BFFAED9D1C}"/>
+                <a16:creationId xmlns="" xmlns:a16="http://schemas.microsoft.com/office/drawing/2014/main" id="{9BCFE216-947F-48ED-B736-D3BFFAED9D1C}"/>
               </a:ext>
             </a:extLst>
           </p:cNvPr>
@@ -2829,7 +2829,7 @@
           <p:cNvPr id="3" name="Vertical Text Placeholder 2">
             <a:extLst>
               <a:ext uri="{FF2B5EF4-FFF2-40B4-BE49-F238E27FC236}">
-                <a16:creationId xmlns:a16="http://schemas.microsoft.com/office/drawing/2014/main" xmlns="" id="{30D8943B-C3CF-4548-A965-6E7ACC89A186}"/>
+                <a16:creationId xmlns="" xmlns:a16="http://schemas.microsoft.com/office/drawing/2014/main" id="{30D8943B-C3CF-4548-A965-6E7ACC89A186}"/>
               </a:ext>
             </a:extLst>
           </p:cNvPr>
@@ -2886,7 +2886,7 @@
           <p:cNvPr id="4" name="Date Placeholder 3">
             <a:extLst>
               <a:ext uri="{FF2B5EF4-FFF2-40B4-BE49-F238E27FC236}">
-                <a16:creationId xmlns:a16="http://schemas.microsoft.com/office/drawing/2014/main" xmlns="" id="{2218EDFB-4D8C-4345-81F7-54DCC45F62F6}"/>
+                <a16:creationId xmlns="" xmlns:a16="http://schemas.microsoft.com/office/drawing/2014/main" id="{2218EDFB-4D8C-4345-81F7-54DCC45F62F6}"/>
               </a:ext>
             </a:extLst>
           </p:cNvPr>
@@ -2904,7 +2904,7 @@
           <a:p>
             <a:fld id="{E4004303-3105-44D2-B3BF-2D95E1088141}" type="datetimeFigureOut">
               <a:rPr lang="en-US" smtClean="0"/>
-              <a:t>9/12/20</a:t>
+              <a:t>10/11/20</a:t>
             </a:fld>
             <a:endParaRPr lang="en-US"/>
           </a:p>
@@ -2915,7 +2915,7 @@
           <p:cNvPr id="5" name="Footer Placeholder 4">
             <a:extLst>
               <a:ext uri="{FF2B5EF4-FFF2-40B4-BE49-F238E27FC236}">
-                <a16:creationId xmlns:a16="http://schemas.microsoft.com/office/drawing/2014/main" xmlns="" id="{48578A71-C498-41E2-851F-39392B54F48D}"/>
+                <a16:creationId xmlns="" xmlns:a16="http://schemas.microsoft.com/office/drawing/2014/main" id="{48578A71-C498-41E2-851F-39392B54F48D}"/>
               </a:ext>
             </a:extLst>
           </p:cNvPr>
@@ -2940,7 +2940,7 @@
           <p:cNvPr id="6" name="Slide Number Placeholder 5">
             <a:extLst>
               <a:ext uri="{FF2B5EF4-FFF2-40B4-BE49-F238E27FC236}">
-                <a16:creationId xmlns:a16="http://schemas.microsoft.com/office/drawing/2014/main" xmlns="" id="{156DDE4D-BCC8-4A54-91FC-946ADF1D2A5B}"/>
+                <a16:creationId xmlns="" xmlns:a16="http://schemas.microsoft.com/office/drawing/2014/main" id="{156DDE4D-BCC8-4A54-91FC-946ADF1D2A5B}"/>
               </a:ext>
             </a:extLst>
           </p:cNvPr>
@@ -2999,7 +2999,7 @@
           <p:cNvPr id="2" name="Vertical Title 1">
             <a:extLst>
               <a:ext uri="{FF2B5EF4-FFF2-40B4-BE49-F238E27FC236}">
-                <a16:creationId xmlns:a16="http://schemas.microsoft.com/office/drawing/2014/main" xmlns="" id="{457AEED0-FAAB-4A13-8EB1-3629CC63F0DA}"/>
+                <a16:creationId xmlns="" xmlns:a16="http://schemas.microsoft.com/office/drawing/2014/main" id="{457AEED0-FAAB-4A13-8EB1-3629CC63F0DA}"/>
               </a:ext>
             </a:extLst>
           </p:cNvPr>
@@ -3032,7 +3032,7 @@
           <p:cNvPr id="3" name="Vertical Text Placeholder 2">
             <a:extLst>
               <a:ext uri="{FF2B5EF4-FFF2-40B4-BE49-F238E27FC236}">
-                <a16:creationId xmlns:a16="http://schemas.microsoft.com/office/drawing/2014/main" xmlns="" id="{2EF0D338-A708-4288-A7CD-BC1AD6E0CF32}"/>
+                <a16:creationId xmlns="" xmlns:a16="http://schemas.microsoft.com/office/drawing/2014/main" id="{2EF0D338-A708-4288-A7CD-BC1AD6E0CF32}"/>
               </a:ext>
             </a:extLst>
           </p:cNvPr>
@@ -3094,7 +3094,7 @@
           <p:cNvPr id="4" name="Date Placeholder 3">
             <a:extLst>
               <a:ext uri="{FF2B5EF4-FFF2-40B4-BE49-F238E27FC236}">
-                <a16:creationId xmlns:a16="http://schemas.microsoft.com/office/drawing/2014/main" xmlns="" id="{1A61A67C-F1B1-43E5-91EF-92C22813A22F}"/>
+                <a16:creationId xmlns="" xmlns:a16="http://schemas.microsoft.com/office/drawing/2014/main" id="{1A61A67C-F1B1-43E5-91EF-92C22813A22F}"/>
               </a:ext>
             </a:extLst>
           </p:cNvPr>
@@ -3112,7 +3112,7 @@
           <a:p>
             <a:fld id="{E4004303-3105-44D2-B3BF-2D95E1088141}" type="datetimeFigureOut">
               <a:rPr lang="en-US" smtClean="0"/>
-              <a:t>9/12/20</a:t>
+              <a:t>10/11/20</a:t>
             </a:fld>
             <a:endParaRPr lang="en-US"/>
           </a:p>
@@ -3123,7 +3123,7 @@
           <p:cNvPr id="5" name="Footer Placeholder 4">
             <a:extLst>
               <a:ext uri="{FF2B5EF4-FFF2-40B4-BE49-F238E27FC236}">
-                <a16:creationId xmlns:a16="http://schemas.microsoft.com/office/drawing/2014/main" xmlns="" id="{B619B6FD-3C85-484A-B034-6EE5477643CF}"/>
+                <a16:creationId xmlns="" xmlns:a16="http://schemas.microsoft.com/office/drawing/2014/main" id="{B619B6FD-3C85-484A-B034-6EE5477643CF}"/>
               </a:ext>
             </a:extLst>
           </p:cNvPr>
@@ -3148,7 +3148,7 @@
           <p:cNvPr id="6" name="Slide Number Placeholder 5">
             <a:extLst>
               <a:ext uri="{FF2B5EF4-FFF2-40B4-BE49-F238E27FC236}">
-                <a16:creationId xmlns:a16="http://schemas.microsoft.com/office/drawing/2014/main" xmlns="" id="{73BA1133-DACA-46A1-95A1-17FCEA22C59E}"/>
+                <a16:creationId xmlns="" xmlns:a16="http://schemas.microsoft.com/office/drawing/2014/main" id="{73BA1133-DACA-46A1-95A1-17FCEA22C59E}"/>
               </a:ext>
             </a:extLst>
           </p:cNvPr>
@@ -3207,7 +3207,7 @@
           <p:cNvPr id="2" name="Title 1">
             <a:extLst>
               <a:ext uri="{FF2B5EF4-FFF2-40B4-BE49-F238E27FC236}">
-                <a16:creationId xmlns:a16="http://schemas.microsoft.com/office/drawing/2014/main" xmlns="" id="{53F8AD3D-C2E1-4671-A523-AC08DDF374BC}"/>
+                <a16:creationId xmlns="" xmlns:a16="http://schemas.microsoft.com/office/drawing/2014/main" id="{53F8AD3D-C2E1-4671-A523-AC08DDF374BC}"/>
               </a:ext>
             </a:extLst>
           </p:cNvPr>
@@ -3235,7 +3235,7 @@
           <p:cNvPr id="3" name="Content Placeholder 2">
             <a:extLst>
               <a:ext uri="{FF2B5EF4-FFF2-40B4-BE49-F238E27FC236}">
-                <a16:creationId xmlns:a16="http://schemas.microsoft.com/office/drawing/2014/main" xmlns="" id="{432D96A6-129B-4BC6-BC0B-3D46AB8A4964}"/>
+                <a16:creationId xmlns="" xmlns:a16="http://schemas.microsoft.com/office/drawing/2014/main" id="{432D96A6-129B-4BC6-BC0B-3D46AB8A4964}"/>
               </a:ext>
             </a:extLst>
           </p:cNvPr>
@@ -3292,7 +3292,7 @@
           <p:cNvPr id="4" name="Date Placeholder 3">
             <a:extLst>
               <a:ext uri="{FF2B5EF4-FFF2-40B4-BE49-F238E27FC236}">
-                <a16:creationId xmlns:a16="http://schemas.microsoft.com/office/drawing/2014/main" xmlns="" id="{6BC0D081-DFAB-4FFE-B239-784B4A3CCE5A}"/>
+                <a16:creationId xmlns="" xmlns:a16="http://schemas.microsoft.com/office/drawing/2014/main" id="{6BC0D081-DFAB-4FFE-B239-784B4A3CCE5A}"/>
               </a:ext>
             </a:extLst>
           </p:cNvPr>
@@ -3310,7 +3310,7 @@
           <a:p>
             <a:fld id="{E4004303-3105-44D2-B3BF-2D95E1088141}" type="datetimeFigureOut">
               <a:rPr lang="en-US" smtClean="0"/>
-              <a:t>9/12/20</a:t>
+              <a:t>10/11/20</a:t>
             </a:fld>
             <a:endParaRPr lang="en-US"/>
           </a:p>
@@ -3321,7 +3321,7 @@
           <p:cNvPr id="5" name="Footer Placeholder 4">
             <a:extLst>
               <a:ext uri="{FF2B5EF4-FFF2-40B4-BE49-F238E27FC236}">
-                <a16:creationId xmlns:a16="http://schemas.microsoft.com/office/drawing/2014/main" xmlns="" id="{EF05D3CB-52C8-49E9-8F01-CF456C39C093}"/>
+                <a16:creationId xmlns="" xmlns:a16="http://schemas.microsoft.com/office/drawing/2014/main" id="{EF05D3CB-52C8-49E9-8F01-CF456C39C093}"/>
               </a:ext>
             </a:extLst>
           </p:cNvPr>
@@ -3346,7 +3346,7 @@
           <p:cNvPr id="6" name="Slide Number Placeholder 5">
             <a:extLst>
               <a:ext uri="{FF2B5EF4-FFF2-40B4-BE49-F238E27FC236}">
-                <a16:creationId xmlns:a16="http://schemas.microsoft.com/office/drawing/2014/main" xmlns="" id="{3B13A5A9-EA07-4B01-9BDC-D742EDE98B1E}"/>
+                <a16:creationId xmlns="" xmlns:a16="http://schemas.microsoft.com/office/drawing/2014/main" id="{3B13A5A9-EA07-4B01-9BDC-D742EDE98B1E}"/>
               </a:ext>
             </a:extLst>
           </p:cNvPr>
@@ -3405,7 +3405,7 @@
           <p:cNvPr id="2" name="Title 1">
             <a:extLst>
               <a:ext uri="{FF2B5EF4-FFF2-40B4-BE49-F238E27FC236}">
-                <a16:creationId xmlns:a16="http://schemas.microsoft.com/office/drawing/2014/main" xmlns="" id="{4FFA251F-C3EC-4C45-A9F6-785EBA079A03}"/>
+                <a16:creationId xmlns="" xmlns:a16="http://schemas.microsoft.com/office/drawing/2014/main" id="{4FFA251F-C3EC-4C45-A9F6-785EBA079A03}"/>
               </a:ext>
             </a:extLst>
           </p:cNvPr>
@@ -3442,7 +3442,7 @@
           <p:cNvPr id="3" name="Text Placeholder 2">
             <a:extLst>
               <a:ext uri="{FF2B5EF4-FFF2-40B4-BE49-F238E27FC236}">
-                <a16:creationId xmlns:a16="http://schemas.microsoft.com/office/drawing/2014/main" xmlns="" id="{80307211-C6EE-48E2-9321-DA9338F38D74}"/>
+                <a16:creationId xmlns="" xmlns:a16="http://schemas.microsoft.com/office/drawing/2014/main" id="{80307211-C6EE-48E2-9321-DA9338F38D74}"/>
               </a:ext>
             </a:extLst>
           </p:cNvPr>
@@ -3567,7 +3567,7 @@
           <p:cNvPr id="4" name="Date Placeholder 3">
             <a:extLst>
               <a:ext uri="{FF2B5EF4-FFF2-40B4-BE49-F238E27FC236}">
-                <a16:creationId xmlns:a16="http://schemas.microsoft.com/office/drawing/2014/main" xmlns="" id="{A7F644B2-3D6D-4BED-B8A4-88DAC661406C}"/>
+                <a16:creationId xmlns="" xmlns:a16="http://schemas.microsoft.com/office/drawing/2014/main" id="{A7F644B2-3D6D-4BED-B8A4-88DAC661406C}"/>
               </a:ext>
             </a:extLst>
           </p:cNvPr>
@@ -3585,7 +3585,7 @@
           <a:p>
             <a:fld id="{E4004303-3105-44D2-B3BF-2D95E1088141}" type="datetimeFigureOut">
               <a:rPr lang="en-US" smtClean="0"/>
-              <a:t>9/12/20</a:t>
+              <a:t>10/11/20</a:t>
             </a:fld>
             <a:endParaRPr lang="en-US"/>
           </a:p>
@@ -3596,7 +3596,7 @@
           <p:cNvPr id="5" name="Footer Placeholder 4">
             <a:extLst>
               <a:ext uri="{FF2B5EF4-FFF2-40B4-BE49-F238E27FC236}">
-                <a16:creationId xmlns:a16="http://schemas.microsoft.com/office/drawing/2014/main" xmlns="" id="{0D199D3C-26A6-47C8-BCAD-683FD29BA875}"/>
+                <a16:creationId xmlns="" xmlns:a16="http://schemas.microsoft.com/office/drawing/2014/main" id="{0D199D3C-26A6-47C8-BCAD-683FD29BA875}"/>
               </a:ext>
             </a:extLst>
           </p:cNvPr>
@@ -3621,7 +3621,7 @@
           <p:cNvPr id="6" name="Slide Number Placeholder 5">
             <a:extLst>
               <a:ext uri="{FF2B5EF4-FFF2-40B4-BE49-F238E27FC236}">
-                <a16:creationId xmlns:a16="http://schemas.microsoft.com/office/drawing/2014/main" xmlns="" id="{FA007230-4FF0-4919-BD32-028AF446BF60}"/>
+                <a16:creationId xmlns="" xmlns:a16="http://schemas.microsoft.com/office/drawing/2014/main" id="{FA007230-4FF0-4919-BD32-028AF446BF60}"/>
               </a:ext>
             </a:extLst>
           </p:cNvPr>
@@ -3680,7 +3680,7 @@
           <p:cNvPr id="2" name="Title 1">
             <a:extLst>
               <a:ext uri="{FF2B5EF4-FFF2-40B4-BE49-F238E27FC236}">
-                <a16:creationId xmlns:a16="http://schemas.microsoft.com/office/drawing/2014/main" xmlns="" id="{A8F3B585-C2E4-4086-8969-FFCBDB06EB4C}"/>
+                <a16:creationId xmlns="" xmlns:a16="http://schemas.microsoft.com/office/drawing/2014/main" id="{A8F3B585-C2E4-4086-8969-FFCBDB06EB4C}"/>
               </a:ext>
             </a:extLst>
           </p:cNvPr>
@@ -3708,7 +3708,7 @@
           <p:cNvPr id="3" name="Content Placeholder 2">
             <a:extLst>
               <a:ext uri="{FF2B5EF4-FFF2-40B4-BE49-F238E27FC236}">
-                <a16:creationId xmlns:a16="http://schemas.microsoft.com/office/drawing/2014/main" xmlns="" id="{49F17A71-A2A7-4FE2-A306-A5EC65DF82E0}"/>
+                <a16:creationId xmlns="" xmlns:a16="http://schemas.microsoft.com/office/drawing/2014/main" id="{49F17A71-A2A7-4FE2-A306-A5EC65DF82E0}"/>
               </a:ext>
             </a:extLst>
           </p:cNvPr>
@@ -3770,7 +3770,7 @@
           <p:cNvPr id="4" name="Content Placeholder 3">
             <a:extLst>
               <a:ext uri="{FF2B5EF4-FFF2-40B4-BE49-F238E27FC236}">
-                <a16:creationId xmlns:a16="http://schemas.microsoft.com/office/drawing/2014/main" xmlns="" id="{7D82479C-B6FD-4613-95E6-9CF34A81B8A5}"/>
+                <a16:creationId xmlns="" xmlns:a16="http://schemas.microsoft.com/office/drawing/2014/main" id="{7D82479C-B6FD-4613-95E6-9CF34A81B8A5}"/>
               </a:ext>
             </a:extLst>
           </p:cNvPr>
@@ -3832,7 +3832,7 @@
           <p:cNvPr id="5" name="Date Placeholder 4">
             <a:extLst>
               <a:ext uri="{FF2B5EF4-FFF2-40B4-BE49-F238E27FC236}">
-                <a16:creationId xmlns:a16="http://schemas.microsoft.com/office/drawing/2014/main" xmlns="" id="{050AC4A9-3A33-45E2-A4AD-0F8C49EA7CC0}"/>
+                <a16:creationId xmlns="" xmlns:a16="http://schemas.microsoft.com/office/drawing/2014/main" id="{050AC4A9-3A33-45E2-A4AD-0F8C49EA7CC0}"/>
               </a:ext>
             </a:extLst>
           </p:cNvPr>
@@ -3850,7 +3850,7 @@
           <a:p>
             <a:fld id="{E4004303-3105-44D2-B3BF-2D95E1088141}" type="datetimeFigureOut">
               <a:rPr lang="en-US" smtClean="0"/>
-              <a:t>9/12/20</a:t>
+              <a:t>10/11/20</a:t>
             </a:fld>
             <a:endParaRPr lang="en-US"/>
           </a:p>
@@ -3861,7 +3861,7 @@
           <p:cNvPr id="6" name="Footer Placeholder 5">
             <a:extLst>
               <a:ext uri="{FF2B5EF4-FFF2-40B4-BE49-F238E27FC236}">
-                <a16:creationId xmlns:a16="http://schemas.microsoft.com/office/drawing/2014/main" xmlns="" id="{2DD8C028-4A0C-4A5E-AD09-C804CED888D6}"/>
+                <a16:creationId xmlns="" xmlns:a16="http://schemas.microsoft.com/office/drawing/2014/main" id="{2DD8C028-4A0C-4A5E-AD09-C804CED888D6}"/>
               </a:ext>
             </a:extLst>
           </p:cNvPr>
@@ -3886,7 +3886,7 @@
           <p:cNvPr id="7" name="Slide Number Placeholder 6">
             <a:extLst>
               <a:ext uri="{FF2B5EF4-FFF2-40B4-BE49-F238E27FC236}">
-                <a16:creationId xmlns:a16="http://schemas.microsoft.com/office/drawing/2014/main" xmlns="" id="{E84E7ABA-0B6F-40CB-B93B-BD8CFC850925}"/>
+                <a16:creationId xmlns="" xmlns:a16="http://schemas.microsoft.com/office/drawing/2014/main" id="{E84E7ABA-0B6F-40CB-B93B-BD8CFC850925}"/>
               </a:ext>
             </a:extLst>
           </p:cNvPr>
@@ -3945,7 +3945,7 @@
           <p:cNvPr id="2" name="Title 1">
             <a:extLst>
               <a:ext uri="{FF2B5EF4-FFF2-40B4-BE49-F238E27FC236}">
-                <a16:creationId xmlns:a16="http://schemas.microsoft.com/office/drawing/2014/main" xmlns="" id="{957FA4DA-591D-4B1D-B9ED-21E9AA45D762}"/>
+                <a16:creationId xmlns="" xmlns:a16="http://schemas.microsoft.com/office/drawing/2014/main" id="{957FA4DA-591D-4B1D-B9ED-21E9AA45D762}"/>
               </a:ext>
             </a:extLst>
           </p:cNvPr>
@@ -3978,7 +3978,7 @@
           <p:cNvPr id="3" name="Text Placeholder 2">
             <a:extLst>
               <a:ext uri="{FF2B5EF4-FFF2-40B4-BE49-F238E27FC236}">
-                <a16:creationId xmlns:a16="http://schemas.microsoft.com/office/drawing/2014/main" xmlns="" id="{D2C2F15B-509A-47B6-8125-5F61A7ABC3BB}"/>
+                <a16:creationId xmlns="" xmlns:a16="http://schemas.microsoft.com/office/drawing/2014/main" id="{D2C2F15B-509A-47B6-8125-5F61A7ABC3BB}"/>
               </a:ext>
             </a:extLst>
           </p:cNvPr>
@@ -4049,7 +4049,7 @@
           <p:cNvPr id="4" name="Content Placeholder 3">
             <a:extLst>
               <a:ext uri="{FF2B5EF4-FFF2-40B4-BE49-F238E27FC236}">
-                <a16:creationId xmlns:a16="http://schemas.microsoft.com/office/drawing/2014/main" xmlns="" id="{E9A29939-C605-46F3-8E3B-DA7211D669FE}"/>
+                <a16:creationId xmlns="" xmlns:a16="http://schemas.microsoft.com/office/drawing/2014/main" id="{E9A29939-C605-46F3-8E3B-DA7211D669FE}"/>
               </a:ext>
             </a:extLst>
           </p:cNvPr>
@@ -4111,7 +4111,7 @@
           <p:cNvPr id="5" name="Text Placeholder 4">
             <a:extLst>
               <a:ext uri="{FF2B5EF4-FFF2-40B4-BE49-F238E27FC236}">
-                <a16:creationId xmlns:a16="http://schemas.microsoft.com/office/drawing/2014/main" xmlns="" id="{EFCC3B74-B511-4628-88DE-0547D5BC8976}"/>
+                <a16:creationId xmlns="" xmlns:a16="http://schemas.microsoft.com/office/drawing/2014/main" id="{EFCC3B74-B511-4628-88DE-0547D5BC8976}"/>
               </a:ext>
             </a:extLst>
           </p:cNvPr>
@@ -4182,7 +4182,7 @@
           <p:cNvPr id="6" name="Content Placeholder 5">
             <a:extLst>
               <a:ext uri="{FF2B5EF4-FFF2-40B4-BE49-F238E27FC236}">
-                <a16:creationId xmlns:a16="http://schemas.microsoft.com/office/drawing/2014/main" xmlns="" id="{D5E0137E-6403-4F2F-AA3E-4DADF12B78A6}"/>
+                <a16:creationId xmlns="" xmlns:a16="http://schemas.microsoft.com/office/drawing/2014/main" id="{D5E0137E-6403-4F2F-AA3E-4DADF12B78A6}"/>
               </a:ext>
             </a:extLst>
           </p:cNvPr>
@@ -4244,7 +4244,7 @@
           <p:cNvPr id="7" name="Date Placeholder 6">
             <a:extLst>
               <a:ext uri="{FF2B5EF4-FFF2-40B4-BE49-F238E27FC236}">
-                <a16:creationId xmlns:a16="http://schemas.microsoft.com/office/drawing/2014/main" xmlns="" id="{0F49EBA0-EB7F-4DF0-9E40-2A8E20BDD084}"/>
+                <a16:creationId xmlns="" xmlns:a16="http://schemas.microsoft.com/office/drawing/2014/main" id="{0F49EBA0-EB7F-4DF0-9E40-2A8E20BDD084}"/>
               </a:ext>
             </a:extLst>
           </p:cNvPr>
@@ -4262,7 +4262,7 @@
           <a:p>
             <a:fld id="{E4004303-3105-44D2-B3BF-2D95E1088141}" type="datetimeFigureOut">
               <a:rPr lang="en-US" smtClean="0"/>
-              <a:t>9/12/20</a:t>
+              <a:t>10/11/20</a:t>
             </a:fld>
             <a:endParaRPr lang="en-US"/>
           </a:p>
@@ -4273,7 +4273,7 @@
           <p:cNvPr id="8" name="Footer Placeholder 7">
             <a:extLst>
               <a:ext uri="{FF2B5EF4-FFF2-40B4-BE49-F238E27FC236}">
-                <a16:creationId xmlns:a16="http://schemas.microsoft.com/office/drawing/2014/main" xmlns="" id="{630D5140-82A0-44B7-BC59-1317BD395F00}"/>
+                <a16:creationId xmlns="" xmlns:a16="http://schemas.microsoft.com/office/drawing/2014/main" id="{630D5140-82A0-44B7-BC59-1317BD395F00}"/>
               </a:ext>
             </a:extLst>
           </p:cNvPr>
@@ -4298,7 +4298,7 @@
           <p:cNvPr id="9" name="Slide Number Placeholder 8">
             <a:extLst>
               <a:ext uri="{FF2B5EF4-FFF2-40B4-BE49-F238E27FC236}">
-                <a16:creationId xmlns:a16="http://schemas.microsoft.com/office/drawing/2014/main" xmlns="" id="{F656D57A-9D48-4D64-9023-180F6A3FF11B}"/>
+                <a16:creationId xmlns="" xmlns:a16="http://schemas.microsoft.com/office/drawing/2014/main" id="{F656D57A-9D48-4D64-9023-180F6A3FF11B}"/>
               </a:ext>
             </a:extLst>
           </p:cNvPr>
@@ -4357,7 +4357,7 @@
           <p:cNvPr id="2" name="Title 1">
             <a:extLst>
               <a:ext uri="{FF2B5EF4-FFF2-40B4-BE49-F238E27FC236}">
-                <a16:creationId xmlns:a16="http://schemas.microsoft.com/office/drawing/2014/main" xmlns="" id="{ADD16326-BE23-48A6-8640-488D86DE8795}"/>
+                <a16:creationId xmlns="" xmlns:a16="http://schemas.microsoft.com/office/drawing/2014/main" id="{ADD16326-BE23-48A6-8640-488D86DE8795}"/>
               </a:ext>
             </a:extLst>
           </p:cNvPr>
@@ -4385,7 +4385,7 @@
           <p:cNvPr id="3" name="Date Placeholder 2">
             <a:extLst>
               <a:ext uri="{FF2B5EF4-FFF2-40B4-BE49-F238E27FC236}">
-                <a16:creationId xmlns:a16="http://schemas.microsoft.com/office/drawing/2014/main" xmlns="" id="{D27E1C4E-7E32-429F-B8CC-BF5894667D3C}"/>
+                <a16:creationId xmlns="" xmlns:a16="http://schemas.microsoft.com/office/drawing/2014/main" id="{D27E1C4E-7E32-429F-B8CC-BF5894667D3C}"/>
               </a:ext>
             </a:extLst>
           </p:cNvPr>
@@ -4403,7 +4403,7 @@
           <a:p>
             <a:fld id="{E4004303-3105-44D2-B3BF-2D95E1088141}" type="datetimeFigureOut">
               <a:rPr lang="en-US" smtClean="0"/>
-              <a:t>9/12/20</a:t>
+              <a:t>10/11/20</a:t>
             </a:fld>
             <a:endParaRPr lang="en-US"/>
           </a:p>
@@ -4414,7 +4414,7 @@
           <p:cNvPr id="4" name="Footer Placeholder 3">
             <a:extLst>
               <a:ext uri="{FF2B5EF4-FFF2-40B4-BE49-F238E27FC236}">
-                <a16:creationId xmlns:a16="http://schemas.microsoft.com/office/drawing/2014/main" xmlns="" id="{2E62B288-3069-4142-9B2D-FA86995FF75D}"/>
+                <a16:creationId xmlns="" xmlns:a16="http://schemas.microsoft.com/office/drawing/2014/main" id="{2E62B288-3069-4142-9B2D-FA86995FF75D}"/>
               </a:ext>
             </a:extLst>
           </p:cNvPr>
@@ -4439,7 +4439,7 @@
           <p:cNvPr id="5" name="Slide Number Placeholder 4">
             <a:extLst>
               <a:ext uri="{FF2B5EF4-FFF2-40B4-BE49-F238E27FC236}">
-                <a16:creationId xmlns:a16="http://schemas.microsoft.com/office/drawing/2014/main" xmlns="" id="{AAF7FEDE-9326-452C-993C-3E86E2242104}"/>
+                <a16:creationId xmlns="" xmlns:a16="http://schemas.microsoft.com/office/drawing/2014/main" id="{AAF7FEDE-9326-452C-993C-3E86E2242104}"/>
               </a:ext>
             </a:extLst>
           </p:cNvPr>
@@ -4498,7 +4498,7 @@
           <p:cNvPr id="2" name="Date Placeholder 1">
             <a:extLst>
               <a:ext uri="{FF2B5EF4-FFF2-40B4-BE49-F238E27FC236}">
-                <a16:creationId xmlns:a16="http://schemas.microsoft.com/office/drawing/2014/main" xmlns="" id="{BCD09A9D-A083-4263-BEC3-6110599B8510}"/>
+                <a16:creationId xmlns="" xmlns:a16="http://schemas.microsoft.com/office/drawing/2014/main" id="{BCD09A9D-A083-4263-BEC3-6110599B8510}"/>
               </a:ext>
             </a:extLst>
           </p:cNvPr>
@@ -4516,7 +4516,7 @@
           <a:p>
             <a:fld id="{E4004303-3105-44D2-B3BF-2D95E1088141}" type="datetimeFigureOut">
               <a:rPr lang="en-US" smtClean="0"/>
-              <a:t>9/12/20</a:t>
+              <a:t>10/11/20</a:t>
             </a:fld>
             <a:endParaRPr lang="en-US"/>
           </a:p>
@@ -4527,7 +4527,7 @@
           <p:cNvPr id="3" name="Footer Placeholder 2">
             <a:extLst>
               <a:ext uri="{FF2B5EF4-FFF2-40B4-BE49-F238E27FC236}">
-                <a16:creationId xmlns:a16="http://schemas.microsoft.com/office/drawing/2014/main" xmlns="" id="{CC138E50-323C-4501-9A61-975F91800912}"/>
+                <a16:creationId xmlns="" xmlns:a16="http://schemas.microsoft.com/office/drawing/2014/main" id="{CC138E50-323C-4501-9A61-975F91800912}"/>
               </a:ext>
             </a:extLst>
           </p:cNvPr>
@@ -4552,7 +4552,7 @@
           <p:cNvPr id="4" name="Slide Number Placeholder 3">
             <a:extLst>
               <a:ext uri="{FF2B5EF4-FFF2-40B4-BE49-F238E27FC236}">
-                <a16:creationId xmlns:a16="http://schemas.microsoft.com/office/drawing/2014/main" xmlns="" id="{3B6A6DFD-4071-44EB-A69B-04DC19D6F7AA}"/>
+                <a16:creationId xmlns="" xmlns:a16="http://schemas.microsoft.com/office/drawing/2014/main" id="{3B6A6DFD-4071-44EB-A69B-04DC19D6F7AA}"/>
               </a:ext>
             </a:extLst>
           </p:cNvPr>
@@ -4611,7 +4611,7 @@
           <p:cNvPr id="2" name="Title 1">
             <a:extLst>
               <a:ext uri="{FF2B5EF4-FFF2-40B4-BE49-F238E27FC236}">
-                <a16:creationId xmlns:a16="http://schemas.microsoft.com/office/drawing/2014/main" xmlns="" id="{07CC5359-2647-48B9-AB97-3134427733A9}"/>
+                <a16:creationId xmlns="" xmlns:a16="http://schemas.microsoft.com/office/drawing/2014/main" id="{07CC5359-2647-48B9-AB97-3134427733A9}"/>
               </a:ext>
             </a:extLst>
           </p:cNvPr>
@@ -4648,7 +4648,7 @@
           <p:cNvPr id="3" name="Content Placeholder 2">
             <a:extLst>
               <a:ext uri="{FF2B5EF4-FFF2-40B4-BE49-F238E27FC236}">
-                <a16:creationId xmlns:a16="http://schemas.microsoft.com/office/drawing/2014/main" xmlns="" id="{41902777-96A1-4AB7-AF59-BC9C53FCF318}"/>
+                <a16:creationId xmlns="" xmlns:a16="http://schemas.microsoft.com/office/drawing/2014/main" id="{41902777-96A1-4AB7-AF59-BC9C53FCF318}"/>
               </a:ext>
             </a:extLst>
           </p:cNvPr>
@@ -4738,7 +4738,7 @@
           <p:cNvPr id="4" name="Text Placeholder 3">
             <a:extLst>
               <a:ext uri="{FF2B5EF4-FFF2-40B4-BE49-F238E27FC236}">
-                <a16:creationId xmlns:a16="http://schemas.microsoft.com/office/drawing/2014/main" xmlns="" id="{14754719-D81B-41A3-8582-A43A3AE0EFE9}"/>
+                <a16:creationId xmlns="" xmlns:a16="http://schemas.microsoft.com/office/drawing/2014/main" id="{14754719-D81B-41A3-8582-A43A3AE0EFE9}"/>
               </a:ext>
             </a:extLst>
           </p:cNvPr>
@@ -4809,7 +4809,7 @@
           <p:cNvPr id="5" name="Date Placeholder 4">
             <a:extLst>
               <a:ext uri="{FF2B5EF4-FFF2-40B4-BE49-F238E27FC236}">
-                <a16:creationId xmlns:a16="http://schemas.microsoft.com/office/drawing/2014/main" xmlns="" id="{7B4695EA-6285-44AB-9666-ECBAC9072E74}"/>
+                <a16:creationId xmlns="" xmlns:a16="http://schemas.microsoft.com/office/drawing/2014/main" id="{7B4695EA-6285-44AB-9666-ECBAC9072E74}"/>
               </a:ext>
             </a:extLst>
           </p:cNvPr>
@@ -4827,7 +4827,7 @@
           <a:p>
             <a:fld id="{E4004303-3105-44D2-B3BF-2D95E1088141}" type="datetimeFigureOut">
               <a:rPr lang="en-US" smtClean="0"/>
-              <a:t>9/12/20</a:t>
+              <a:t>10/11/20</a:t>
             </a:fld>
             <a:endParaRPr lang="en-US"/>
           </a:p>
@@ -4838,7 +4838,7 @@
           <p:cNvPr id="6" name="Footer Placeholder 5">
             <a:extLst>
               <a:ext uri="{FF2B5EF4-FFF2-40B4-BE49-F238E27FC236}">
-                <a16:creationId xmlns:a16="http://schemas.microsoft.com/office/drawing/2014/main" xmlns="" id="{B704FD42-1B28-4536-9F06-E5341C599FC9}"/>
+                <a16:creationId xmlns="" xmlns:a16="http://schemas.microsoft.com/office/drawing/2014/main" id="{B704FD42-1B28-4536-9F06-E5341C599FC9}"/>
               </a:ext>
             </a:extLst>
           </p:cNvPr>
@@ -4863,7 +4863,7 @@
           <p:cNvPr id="7" name="Slide Number Placeholder 6">
             <a:extLst>
               <a:ext uri="{FF2B5EF4-FFF2-40B4-BE49-F238E27FC236}">
-                <a16:creationId xmlns:a16="http://schemas.microsoft.com/office/drawing/2014/main" xmlns="" id="{63E9DFEA-E1B6-4CB8-9D0C-FC72BA935E87}"/>
+                <a16:creationId xmlns="" xmlns:a16="http://schemas.microsoft.com/office/drawing/2014/main" id="{63E9DFEA-E1B6-4CB8-9D0C-FC72BA935E87}"/>
               </a:ext>
             </a:extLst>
           </p:cNvPr>
@@ -4922,7 +4922,7 @@
           <p:cNvPr id="2" name="Title 1">
             <a:extLst>
               <a:ext uri="{FF2B5EF4-FFF2-40B4-BE49-F238E27FC236}">
-                <a16:creationId xmlns:a16="http://schemas.microsoft.com/office/drawing/2014/main" xmlns="" id="{018CFCFC-0B0A-415D-B755-088E8FEB0C02}"/>
+                <a16:creationId xmlns="" xmlns:a16="http://schemas.microsoft.com/office/drawing/2014/main" id="{018CFCFC-0B0A-415D-B755-088E8FEB0C02}"/>
               </a:ext>
             </a:extLst>
           </p:cNvPr>
@@ -4959,7 +4959,7 @@
           <p:cNvPr id="3" name="Picture Placeholder 2">
             <a:extLst>
               <a:ext uri="{FF2B5EF4-FFF2-40B4-BE49-F238E27FC236}">
-                <a16:creationId xmlns:a16="http://schemas.microsoft.com/office/drawing/2014/main" xmlns="" id="{0DF03D6C-C980-4BFE-8E9C-0F991AA0737C}"/>
+                <a16:creationId xmlns="" xmlns:a16="http://schemas.microsoft.com/office/drawing/2014/main" id="{0DF03D6C-C980-4BFE-8E9C-0F991AA0737C}"/>
               </a:ext>
             </a:extLst>
           </p:cNvPr>
@@ -5026,7 +5026,7 @@
           <p:cNvPr id="4" name="Text Placeholder 3">
             <a:extLst>
               <a:ext uri="{FF2B5EF4-FFF2-40B4-BE49-F238E27FC236}">
-                <a16:creationId xmlns:a16="http://schemas.microsoft.com/office/drawing/2014/main" xmlns="" id="{1AFD1D5A-4E43-484B-BD1E-8069A4E4DCF4}"/>
+                <a16:creationId xmlns="" xmlns:a16="http://schemas.microsoft.com/office/drawing/2014/main" id="{1AFD1D5A-4E43-484B-BD1E-8069A4E4DCF4}"/>
               </a:ext>
             </a:extLst>
           </p:cNvPr>
@@ -5097,7 +5097,7 @@
           <p:cNvPr id="5" name="Date Placeholder 4">
             <a:extLst>
               <a:ext uri="{FF2B5EF4-FFF2-40B4-BE49-F238E27FC236}">
-                <a16:creationId xmlns:a16="http://schemas.microsoft.com/office/drawing/2014/main" xmlns="" id="{8D4679A1-32EB-4B3B-AEDE-B4E0D890E8F1}"/>
+                <a16:creationId xmlns="" xmlns:a16="http://schemas.microsoft.com/office/drawing/2014/main" id="{8D4679A1-32EB-4B3B-AEDE-B4E0D890E8F1}"/>
               </a:ext>
             </a:extLst>
           </p:cNvPr>
@@ -5115,7 +5115,7 @@
           <a:p>
             <a:fld id="{E4004303-3105-44D2-B3BF-2D95E1088141}" type="datetimeFigureOut">
               <a:rPr lang="en-US" smtClean="0"/>
-              <a:t>9/12/20</a:t>
+              <a:t>10/11/20</a:t>
             </a:fld>
             <a:endParaRPr lang="en-US"/>
           </a:p>
@@ -5126,7 +5126,7 @@
           <p:cNvPr id="6" name="Footer Placeholder 5">
             <a:extLst>
               <a:ext uri="{FF2B5EF4-FFF2-40B4-BE49-F238E27FC236}">
-                <a16:creationId xmlns:a16="http://schemas.microsoft.com/office/drawing/2014/main" xmlns="" id="{2E7DDE93-A63B-42C4-A1BF-2A3BA7B36968}"/>
+                <a16:creationId xmlns="" xmlns:a16="http://schemas.microsoft.com/office/drawing/2014/main" id="{2E7DDE93-A63B-42C4-A1BF-2A3BA7B36968}"/>
               </a:ext>
             </a:extLst>
           </p:cNvPr>
@@ -5151,7 +5151,7 @@
           <p:cNvPr id="7" name="Slide Number Placeholder 6">
             <a:extLst>
               <a:ext uri="{FF2B5EF4-FFF2-40B4-BE49-F238E27FC236}">
-                <a16:creationId xmlns:a16="http://schemas.microsoft.com/office/drawing/2014/main" xmlns="" id="{E61AF5DC-FA61-46D3-93EA-13372A3D341E}"/>
+                <a16:creationId xmlns="" xmlns:a16="http://schemas.microsoft.com/office/drawing/2014/main" id="{E61AF5DC-FA61-46D3-93EA-13372A3D341E}"/>
               </a:ext>
             </a:extLst>
           </p:cNvPr>
@@ -5215,7 +5215,7 @@
           <p:cNvPr id="2" name="Title Placeholder 1">
             <a:extLst>
               <a:ext uri="{FF2B5EF4-FFF2-40B4-BE49-F238E27FC236}">
-                <a16:creationId xmlns:a16="http://schemas.microsoft.com/office/drawing/2014/main" xmlns="" id="{FE729866-18C2-4F03-9875-87BAC4AB2666}"/>
+                <a16:creationId xmlns="" xmlns:a16="http://schemas.microsoft.com/office/drawing/2014/main" id="{FE729866-18C2-4F03-9875-87BAC4AB2666}"/>
               </a:ext>
             </a:extLst>
           </p:cNvPr>
@@ -5253,7 +5253,7 @@
           <p:cNvPr id="3" name="Text Placeholder 2">
             <a:extLst>
               <a:ext uri="{FF2B5EF4-FFF2-40B4-BE49-F238E27FC236}">
-                <a16:creationId xmlns:a16="http://schemas.microsoft.com/office/drawing/2014/main" xmlns="" id="{459C9B0C-18C0-403E-8A48-8A7FE96623B0}"/>
+                <a16:creationId xmlns="" xmlns:a16="http://schemas.microsoft.com/office/drawing/2014/main" id="{459C9B0C-18C0-403E-8A48-8A7FE96623B0}"/>
               </a:ext>
             </a:extLst>
           </p:cNvPr>
@@ -5320,7 +5320,7 @@
           <p:cNvPr id="4" name="Date Placeholder 3">
             <a:extLst>
               <a:ext uri="{FF2B5EF4-FFF2-40B4-BE49-F238E27FC236}">
-                <a16:creationId xmlns:a16="http://schemas.microsoft.com/office/drawing/2014/main" xmlns="" id="{57AABFBE-4A58-48C0-8E6B-AD98A22B858C}"/>
+                <a16:creationId xmlns="" xmlns:a16="http://schemas.microsoft.com/office/drawing/2014/main" id="{57AABFBE-4A58-48C0-8E6B-AD98A22B858C}"/>
               </a:ext>
             </a:extLst>
           </p:cNvPr>
@@ -5356,7 +5356,7 @@
           <a:p>
             <a:fld id="{E4004303-3105-44D2-B3BF-2D95E1088141}" type="datetimeFigureOut">
               <a:rPr lang="en-US" smtClean="0"/>
-              <a:t>9/12/20</a:t>
+              <a:t>10/11/20</a:t>
             </a:fld>
             <a:endParaRPr lang="en-US"/>
           </a:p>
@@ -5367,7 +5367,7 @@
           <p:cNvPr id="5" name="Footer Placeholder 4">
             <a:extLst>
               <a:ext uri="{FF2B5EF4-FFF2-40B4-BE49-F238E27FC236}">
-                <a16:creationId xmlns:a16="http://schemas.microsoft.com/office/drawing/2014/main" xmlns="" id="{ACCD32E7-97AC-4059-8B6B-BC3F100904AA}"/>
+                <a16:creationId xmlns="" xmlns:a16="http://schemas.microsoft.com/office/drawing/2014/main" id="{ACCD32E7-97AC-4059-8B6B-BC3F100904AA}"/>
               </a:ext>
             </a:extLst>
           </p:cNvPr>
@@ -5410,7 +5410,7 @@
           <p:cNvPr id="6" name="Slide Number Placeholder 5">
             <a:extLst>
               <a:ext uri="{FF2B5EF4-FFF2-40B4-BE49-F238E27FC236}">
-                <a16:creationId xmlns:a16="http://schemas.microsoft.com/office/drawing/2014/main" xmlns="" id="{F8D021EB-DA7A-4A85-8DC0-0B957D1F3BDA}"/>
+                <a16:creationId xmlns="" xmlns:a16="http://schemas.microsoft.com/office/drawing/2014/main" id="{F8D021EB-DA7A-4A85-8DC0-0B957D1F3BDA}"/>
               </a:ext>
             </a:extLst>
           </p:cNvPr>
@@ -5806,15 +5806,7 @@
                 <a:ea typeface="Times New Roman" charset="0"/>
                 <a:cs typeface="Times New Roman" charset="0"/>
               </a:rPr>
-              <a:t>Blue Waters Petascale</a:t>
-            </a:r>
-            <a:r>
-              <a:rPr lang="en-US" sz="3600" b="1" dirty="0">
-                <a:latin typeface="Times New Roman" charset="0"/>
-                <a:ea typeface="Times New Roman" charset="0"/>
-                <a:cs typeface="Times New Roman" charset="0"/>
-              </a:rPr>
-              <a:t> Semester Curriculum v1.0</a:t>
+              <a:t>Blue Waters Petascale Semester Curriculum v1.0</a:t>
             </a:r>
             <a:r>
               <a:rPr lang="en-US" sz="3600" dirty="0">
@@ -5837,15 +5829,7 @@
                 <a:ea typeface="Times New Roman" charset="0"/>
                 <a:cs typeface="Times New Roman" charset="0"/>
               </a:rPr>
-              <a:t>Unit </a:t>
-            </a:r>
-            <a:r>
-              <a:rPr lang="en-US" sz="3600" b="1" dirty="0">
-                <a:latin typeface="Times New Roman" charset="0"/>
-                <a:ea typeface="Times New Roman" charset="0"/>
-                <a:cs typeface="Times New Roman" charset="0"/>
-              </a:rPr>
-              <a:t>7: CUDA</a:t>
+              <a:t>Unit 7: CUDA</a:t>
             </a:r>
             <a:r>
               <a:rPr lang="en-US" sz="3600" dirty="0">
@@ -5886,14 +5870,6 @@
               </a:rPr>
               <a:t>: Parallel Reduce in CUDA</a:t>
             </a:r>
-            <a:r>
-              <a:rPr lang="en-US" sz="3600" b="1" dirty="0">
-                <a:latin typeface="Times New Roman" charset="0"/>
-                <a:ea typeface="Times New Roman" charset="0"/>
-                <a:cs typeface="Times New Roman" charset="0"/>
-              </a:rPr>
-              <a:t/>
-            </a:r>
             <a:br>
               <a:rPr lang="en-US" sz="3600" b="1" dirty="0">
                 <a:latin typeface="Times New Roman" charset="0"/>
@@ -5924,14 +5900,6 @@
                 <a:cs typeface="Times New Roman" charset="0"/>
               </a:rPr>
               <a:t> Rai</a:t>
-            </a:r>
-            <a:r>
-              <a:rPr lang="en-US" sz="3600" i="1" dirty="0">
-                <a:latin typeface="Times New Roman" charset="0"/>
-                <a:ea typeface="Times New Roman" charset="0"/>
-                <a:cs typeface="Times New Roman" charset="0"/>
-              </a:rPr>
-              <a:t/>
             </a:r>
             <a:br>
               <a:rPr lang="en-US" sz="3600" i="1" dirty="0">
@@ -5993,7 +5961,7 @@
           <p:cNvPr id="2" name="Title 1">
             <a:extLst>
               <a:ext uri="{FF2B5EF4-FFF2-40B4-BE49-F238E27FC236}">
-                <a16:creationId xmlns:a16="http://schemas.microsoft.com/office/drawing/2014/main" xmlns="" id="{770907FC-038D-4776-92FC-4E75B6BB7A7A}"/>
+                <a16:creationId xmlns="" xmlns:a16="http://schemas.microsoft.com/office/drawing/2014/main" id="{770907FC-038D-4776-92FC-4E75B6BB7A7A}"/>
               </a:ext>
             </a:extLst>
           </p:cNvPr>
@@ -6021,7 +5989,7 @@
           <p:cNvPr id="3" name="Content Placeholder 2">
             <a:extLst>
               <a:ext uri="{FF2B5EF4-FFF2-40B4-BE49-F238E27FC236}">
-                <a16:creationId xmlns:a16="http://schemas.microsoft.com/office/drawing/2014/main" xmlns="" id="{3B14FF5F-F8AC-48CB-B118-C99B43D76CB3}"/>
+                <a16:creationId xmlns="" xmlns:a16="http://schemas.microsoft.com/office/drawing/2014/main" id="{3B14FF5F-F8AC-48CB-B118-C99B43D76CB3}"/>
               </a:ext>
             </a:extLst>
           </p:cNvPr>
@@ -6097,7 +6065,7 @@
           <p:cNvPr id="2" name="Title 1">
             <a:extLst>
               <a:ext uri="{FF2B5EF4-FFF2-40B4-BE49-F238E27FC236}">
-                <a16:creationId xmlns:a16="http://schemas.microsoft.com/office/drawing/2014/main" xmlns="" id="{D0C7DF2E-C79C-4A6E-9834-CD0FFA69AB0E}"/>
+                <a16:creationId xmlns="" xmlns:a16="http://schemas.microsoft.com/office/drawing/2014/main" id="{D0C7DF2E-C79C-4A6E-9834-CD0FFA69AB0E}"/>
               </a:ext>
             </a:extLst>
           </p:cNvPr>
@@ -6125,7 +6093,7 @@
           <p:cNvPr id="3" name="Content Placeholder 2">
             <a:extLst>
               <a:ext uri="{FF2B5EF4-FFF2-40B4-BE49-F238E27FC236}">
-                <a16:creationId xmlns:a16="http://schemas.microsoft.com/office/drawing/2014/main" xmlns="" id="{72BEDCB5-D7B4-4AD0-9E56-D2C0A42986C4}"/>
+                <a16:creationId xmlns="" xmlns:a16="http://schemas.microsoft.com/office/drawing/2014/main" id="{72BEDCB5-D7B4-4AD0-9E56-D2C0A42986C4}"/>
               </a:ext>
             </a:extLst>
           </p:cNvPr>
@@ -6158,7 +6126,7 @@
           <p:cNvPr id="4" name="Rectangle 3">
             <a:extLst>
               <a:ext uri="{FF2B5EF4-FFF2-40B4-BE49-F238E27FC236}">
-                <a16:creationId xmlns:a16="http://schemas.microsoft.com/office/drawing/2014/main" xmlns="" id="{121DBF10-671B-4973-8A74-8252B01819A2}"/>
+                <a16:creationId xmlns="" xmlns:a16="http://schemas.microsoft.com/office/drawing/2014/main" id="{121DBF10-671B-4973-8A74-8252B01819A2}"/>
               </a:ext>
             </a:extLst>
           </p:cNvPr>
@@ -6207,7 +6175,7 @@
           <p:cNvPr id="5" name="Rectangle 4">
             <a:extLst>
               <a:ext uri="{FF2B5EF4-FFF2-40B4-BE49-F238E27FC236}">
-                <a16:creationId xmlns:a16="http://schemas.microsoft.com/office/drawing/2014/main" xmlns="" id="{8DF17437-D78E-4756-8EC8-E1A9BE69A3A5}"/>
+                <a16:creationId xmlns="" xmlns:a16="http://schemas.microsoft.com/office/drawing/2014/main" id="{8DF17437-D78E-4756-8EC8-E1A9BE69A3A5}"/>
               </a:ext>
             </a:extLst>
           </p:cNvPr>
@@ -6256,7 +6224,7 @@
           <p:cNvPr id="6" name="Flowchart: Connector 5">
             <a:extLst>
               <a:ext uri="{FF2B5EF4-FFF2-40B4-BE49-F238E27FC236}">
-                <a16:creationId xmlns:a16="http://schemas.microsoft.com/office/drawing/2014/main" xmlns="" id="{86D069EA-1DB8-409D-9552-58855E93DBBB}"/>
+                <a16:creationId xmlns="" xmlns:a16="http://schemas.microsoft.com/office/drawing/2014/main" id="{86D069EA-1DB8-409D-9552-58855E93DBBB}"/>
               </a:ext>
             </a:extLst>
           </p:cNvPr>
@@ -6305,7 +6273,7 @@
           <p:cNvPr id="8" name="Straight Arrow Connector 7">
             <a:extLst>
               <a:ext uri="{FF2B5EF4-FFF2-40B4-BE49-F238E27FC236}">
-                <a16:creationId xmlns:a16="http://schemas.microsoft.com/office/drawing/2014/main" xmlns="" id="{0B20CA98-CB0C-486C-97F3-BA876BD3CD18}"/>
+                <a16:creationId xmlns="" xmlns:a16="http://schemas.microsoft.com/office/drawing/2014/main" id="{0B20CA98-CB0C-486C-97F3-BA876BD3CD18}"/>
               </a:ext>
             </a:extLst>
           </p:cNvPr>
@@ -6347,7 +6315,7 @@
           <p:cNvPr id="10" name="Straight Arrow Connector 9">
             <a:extLst>
               <a:ext uri="{FF2B5EF4-FFF2-40B4-BE49-F238E27FC236}">
-                <a16:creationId xmlns:a16="http://schemas.microsoft.com/office/drawing/2014/main" xmlns="" id="{FB3A530E-AD31-4F74-BA5E-0E264FC8776D}"/>
+                <a16:creationId xmlns="" xmlns:a16="http://schemas.microsoft.com/office/drawing/2014/main" id="{FB3A530E-AD31-4F74-BA5E-0E264FC8776D}"/>
               </a:ext>
             </a:extLst>
           </p:cNvPr>
@@ -6389,7 +6357,7 @@
           <p:cNvPr id="11" name="Rectangle 10">
             <a:extLst>
               <a:ext uri="{FF2B5EF4-FFF2-40B4-BE49-F238E27FC236}">
-                <a16:creationId xmlns:a16="http://schemas.microsoft.com/office/drawing/2014/main" xmlns="" id="{56189065-8890-445A-B132-7A981256E862}"/>
+                <a16:creationId xmlns="" xmlns:a16="http://schemas.microsoft.com/office/drawing/2014/main" id="{56189065-8890-445A-B132-7A981256E862}"/>
               </a:ext>
             </a:extLst>
           </p:cNvPr>
@@ -6438,7 +6406,7 @@
           <p:cNvPr id="12" name="Rectangle 11">
             <a:extLst>
               <a:ext uri="{FF2B5EF4-FFF2-40B4-BE49-F238E27FC236}">
-                <a16:creationId xmlns:a16="http://schemas.microsoft.com/office/drawing/2014/main" xmlns="" id="{AFDEFD90-AEE4-4B87-8D0F-70E45198336F}"/>
+                <a16:creationId xmlns="" xmlns:a16="http://schemas.microsoft.com/office/drawing/2014/main" id="{AFDEFD90-AEE4-4B87-8D0F-70E45198336F}"/>
               </a:ext>
             </a:extLst>
           </p:cNvPr>
@@ -6487,7 +6455,7 @@
           <p:cNvPr id="13" name="Flowchart: Connector 12">
             <a:extLst>
               <a:ext uri="{FF2B5EF4-FFF2-40B4-BE49-F238E27FC236}">
-                <a16:creationId xmlns:a16="http://schemas.microsoft.com/office/drawing/2014/main" xmlns="" id="{F770C9D7-B7AE-4CE9-B7F0-A6BE6C46BE47}"/>
+                <a16:creationId xmlns="" xmlns:a16="http://schemas.microsoft.com/office/drawing/2014/main" id="{F770C9D7-B7AE-4CE9-B7F0-A6BE6C46BE47}"/>
               </a:ext>
             </a:extLst>
           </p:cNvPr>
@@ -6536,7 +6504,7 @@
           <p:cNvPr id="14" name="Straight Arrow Connector 13">
             <a:extLst>
               <a:ext uri="{FF2B5EF4-FFF2-40B4-BE49-F238E27FC236}">
-                <a16:creationId xmlns:a16="http://schemas.microsoft.com/office/drawing/2014/main" xmlns="" id="{536FB7FD-B88A-4A3A-B187-2F5494748E65}"/>
+                <a16:creationId xmlns="" xmlns:a16="http://schemas.microsoft.com/office/drawing/2014/main" id="{536FB7FD-B88A-4A3A-B187-2F5494748E65}"/>
               </a:ext>
             </a:extLst>
           </p:cNvPr>
@@ -6579,7 +6547,7 @@
           <p:cNvPr id="15" name="Straight Arrow Connector 14">
             <a:extLst>
               <a:ext uri="{FF2B5EF4-FFF2-40B4-BE49-F238E27FC236}">
-                <a16:creationId xmlns:a16="http://schemas.microsoft.com/office/drawing/2014/main" xmlns="" id="{B1534CA2-E7C8-4AEE-8FD3-30B1E26AECA2}"/>
+                <a16:creationId xmlns="" xmlns:a16="http://schemas.microsoft.com/office/drawing/2014/main" id="{B1534CA2-E7C8-4AEE-8FD3-30B1E26AECA2}"/>
               </a:ext>
             </a:extLst>
           </p:cNvPr>
@@ -6622,7 +6590,7 @@
           <p:cNvPr id="24" name="Rectangle 23">
             <a:extLst>
               <a:ext uri="{FF2B5EF4-FFF2-40B4-BE49-F238E27FC236}">
-                <a16:creationId xmlns:a16="http://schemas.microsoft.com/office/drawing/2014/main" xmlns="" id="{816E34A8-C157-4B1C-8FA8-79077E1F54EE}"/>
+                <a16:creationId xmlns="" xmlns:a16="http://schemas.microsoft.com/office/drawing/2014/main" id="{816E34A8-C157-4B1C-8FA8-79077E1F54EE}"/>
               </a:ext>
             </a:extLst>
           </p:cNvPr>
@@ -6671,7 +6639,7 @@
           <p:cNvPr id="29" name="Flowchart: Connector 28">
             <a:extLst>
               <a:ext uri="{FF2B5EF4-FFF2-40B4-BE49-F238E27FC236}">
-                <a16:creationId xmlns:a16="http://schemas.microsoft.com/office/drawing/2014/main" xmlns="" id="{38703AA1-CAFC-4491-AE18-ED3532F2F018}"/>
+                <a16:creationId xmlns="" xmlns:a16="http://schemas.microsoft.com/office/drawing/2014/main" id="{38703AA1-CAFC-4491-AE18-ED3532F2F018}"/>
               </a:ext>
             </a:extLst>
           </p:cNvPr>
@@ -6720,7 +6688,7 @@
           <p:cNvPr id="30" name="Straight Arrow Connector 29">
             <a:extLst>
               <a:ext uri="{FF2B5EF4-FFF2-40B4-BE49-F238E27FC236}">
-                <a16:creationId xmlns:a16="http://schemas.microsoft.com/office/drawing/2014/main" xmlns="" id="{B1B461F6-71DB-4EEB-B58D-A9DC4E8342C5}"/>
+                <a16:creationId xmlns="" xmlns:a16="http://schemas.microsoft.com/office/drawing/2014/main" id="{B1B461F6-71DB-4EEB-B58D-A9DC4E8342C5}"/>
               </a:ext>
             </a:extLst>
           </p:cNvPr>
@@ -6763,7 +6731,7 @@
           <p:cNvPr id="36" name="Flowchart: Connector 35">
             <a:extLst>
               <a:ext uri="{FF2B5EF4-FFF2-40B4-BE49-F238E27FC236}">
-                <a16:creationId xmlns:a16="http://schemas.microsoft.com/office/drawing/2014/main" xmlns="" id="{79C836E3-40E8-49DB-BEE3-77B63B5D10EB}"/>
+                <a16:creationId xmlns="" xmlns:a16="http://schemas.microsoft.com/office/drawing/2014/main" id="{79C836E3-40E8-49DB-BEE3-77B63B5D10EB}"/>
               </a:ext>
             </a:extLst>
           </p:cNvPr>
@@ -6812,7 +6780,7 @@
           <p:cNvPr id="37" name="Straight Arrow Connector 36">
             <a:extLst>
               <a:ext uri="{FF2B5EF4-FFF2-40B4-BE49-F238E27FC236}">
-                <a16:creationId xmlns:a16="http://schemas.microsoft.com/office/drawing/2014/main" xmlns="" id="{602DB4E6-BC6B-4EB4-8A08-5A9636AF87DA}"/>
+                <a16:creationId xmlns="" xmlns:a16="http://schemas.microsoft.com/office/drawing/2014/main" id="{602DB4E6-BC6B-4EB4-8A08-5A9636AF87DA}"/>
               </a:ext>
             </a:extLst>
           </p:cNvPr>
@@ -6855,7 +6823,7 @@
           <p:cNvPr id="40" name="Straight Arrow Connector 39">
             <a:extLst>
               <a:ext uri="{FF2B5EF4-FFF2-40B4-BE49-F238E27FC236}">
-                <a16:creationId xmlns:a16="http://schemas.microsoft.com/office/drawing/2014/main" xmlns="" id="{75A86867-4029-404C-8480-198664AE0ADB}"/>
+                <a16:creationId xmlns="" xmlns:a16="http://schemas.microsoft.com/office/drawing/2014/main" id="{75A86867-4029-404C-8480-198664AE0ADB}"/>
               </a:ext>
             </a:extLst>
           </p:cNvPr>
@@ -6898,7 +6866,7 @@
           <p:cNvPr id="46" name="Rectangle 45">
             <a:extLst>
               <a:ext uri="{FF2B5EF4-FFF2-40B4-BE49-F238E27FC236}">
-                <a16:creationId xmlns:a16="http://schemas.microsoft.com/office/drawing/2014/main" xmlns="" id="{3F358C86-311D-4BD6-9B82-632CB11CA8C8}"/>
+                <a16:creationId xmlns="" xmlns:a16="http://schemas.microsoft.com/office/drawing/2014/main" id="{3F358C86-311D-4BD6-9B82-632CB11CA8C8}"/>
               </a:ext>
             </a:extLst>
           </p:cNvPr>
@@ -6947,7 +6915,7 @@
           <p:cNvPr id="47" name="Straight Arrow Connector 46">
             <a:extLst>
               <a:ext uri="{FF2B5EF4-FFF2-40B4-BE49-F238E27FC236}">
-                <a16:creationId xmlns:a16="http://schemas.microsoft.com/office/drawing/2014/main" xmlns="" id="{7D4C0DD6-5729-42E8-90C7-74A6D8847018}"/>
+                <a16:creationId xmlns="" xmlns:a16="http://schemas.microsoft.com/office/drawing/2014/main" id="{7D4C0DD6-5729-42E8-90C7-74A6D8847018}"/>
               </a:ext>
             </a:extLst>
           </p:cNvPr>
@@ -6990,7 +6958,7 @@
           <p:cNvPr id="52" name="Rectangle 51">
             <a:extLst>
               <a:ext uri="{FF2B5EF4-FFF2-40B4-BE49-F238E27FC236}">
-                <a16:creationId xmlns:a16="http://schemas.microsoft.com/office/drawing/2014/main" xmlns="" id="{735FAA7A-7500-460C-8E84-A0079ABDCFF9}"/>
+                <a16:creationId xmlns="" xmlns:a16="http://schemas.microsoft.com/office/drawing/2014/main" id="{735FAA7A-7500-460C-8E84-A0079ABDCFF9}"/>
               </a:ext>
             </a:extLst>
           </p:cNvPr>
@@ -7039,7 +7007,7 @@
           <p:cNvPr id="70" name="Straight Arrow Connector 69">
             <a:extLst>
               <a:ext uri="{FF2B5EF4-FFF2-40B4-BE49-F238E27FC236}">
-                <a16:creationId xmlns:a16="http://schemas.microsoft.com/office/drawing/2014/main" xmlns="" id="{14A3DC0F-6FA1-42C2-BF16-E23A44C72714}"/>
+                <a16:creationId xmlns="" xmlns:a16="http://schemas.microsoft.com/office/drawing/2014/main" id="{14A3DC0F-6FA1-42C2-BF16-E23A44C72714}"/>
               </a:ext>
             </a:extLst>
           </p:cNvPr>
@@ -7082,7 +7050,7 @@
           <p:cNvPr id="43" name="Rectangle 42">
             <a:extLst>
               <a:ext uri="{FF2B5EF4-FFF2-40B4-BE49-F238E27FC236}">
-                <a16:creationId xmlns:a16="http://schemas.microsoft.com/office/drawing/2014/main" xmlns="" id="{AF292549-0C60-4E31-8F87-F3F14BF69539}"/>
+                <a16:creationId xmlns="" xmlns:a16="http://schemas.microsoft.com/office/drawing/2014/main" id="{AF292549-0C60-4E31-8F87-F3F14BF69539}"/>
               </a:ext>
             </a:extLst>
           </p:cNvPr>
@@ -7131,7 +7099,7 @@
           <p:cNvPr id="44" name="Flowchart: Connector 43">
             <a:extLst>
               <a:ext uri="{FF2B5EF4-FFF2-40B4-BE49-F238E27FC236}">
-                <a16:creationId xmlns:a16="http://schemas.microsoft.com/office/drawing/2014/main" xmlns="" id="{BB75B45B-3F00-4048-857A-3BC1E06A321A}"/>
+                <a16:creationId xmlns="" xmlns:a16="http://schemas.microsoft.com/office/drawing/2014/main" id="{BB75B45B-3F00-4048-857A-3BC1E06A321A}"/>
               </a:ext>
             </a:extLst>
           </p:cNvPr>
@@ -7180,7 +7148,7 @@
           <p:cNvPr id="45" name="Straight Arrow Connector 44">
             <a:extLst>
               <a:ext uri="{FF2B5EF4-FFF2-40B4-BE49-F238E27FC236}">
-                <a16:creationId xmlns:a16="http://schemas.microsoft.com/office/drawing/2014/main" xmlns="" id="{E479E003-3235-4C10-9A1C-D3686994809B}"/>
+                <a16:creationId xmlns="" xmlns:a16="http://schemas.microsoft.com/office/drawing/2014/main" id="{E479E003-3235-4C10-9A1C-D3686994809B}"/>
               </a:ext>
             </a:extLst>
           </p:cNvPr>
@@ -7223,7 +7191,7 @@
           <p:cNvPr id="48" name="Rectangle 47">
             <a:extLst>
               <a:ext uri="{FF2B5EF4-FFF2-40B4-BE49-F238E27FC236}">
-                <a16:creationId xmlns:a16="http://schemas.microsoft.com/office/drawing/2014/main" xmlns="" id="{C4A51E1C-B55B-468E-ACC4-394FB7281698}"/>
+                <a16:creationId xmlns="" xmlns:a16="http://schemas.microsoft.com/office/drawing/2014/main" id="{C4A51E1C-B55B-468E-ACC4-394FB7281698}"/>
               </a:ext>
             </a:extLst>
           </p:cNvPr>
@@ -7272,7 +7240,7 @@
           <p:cNvPr id="49" name="Straight Arrow Connector 48">
             <a:extLst>
               <a:ext uri="{FF2B5EF4-FFF2-40B4-BE49-F238E27FC236}">
-                <a16:creationId xmlns:a16="http://schemas.microsoft.com/office/drawing/2014/main" xmlns="" id="{7CF6A2EA-F249-4E66-B785-8017F694640A}"/>
+                <a16:creationId xmlns="" xmlns:a16="http://schemas.microsoft.com/office/drawing/2014/main" id="{7CF6A2EA-F249-4E66-B785-8017F694640A}"/>
               </a:ext>
             </a:extLst>
           </p:cNvPr>
@@ -7315,7 +7283,7 @@
           <p:cNvPr id="53" name="Straight Arrow Connector 52">
             <a:extLst>
               <a:ext uri="{FF2B5EF4-FFF2-40B4-BE49-F238E27FC236}">
-                <a16:creationId xmlns:a16="http://schemas.microsoft.com/office/drawing/2014/main" xmlns="" id="{026D7543-E8D1-4C46-87F7-737C2C2A705C}"/>
+                <a16:creationId xmlns="" xmlns:a16="http://schemas.microsoft.com/office/drawing/2014/main" id="{026D7543-E8D1-4C46-87F7-737C2C2A705C}"/>
               </a:ext>
             </a:extLst>
           </p:cNvPr>
@@ -7358,7 +7326,7 @@
           <p:cNvPr id="54" name="Flowchart: Connector 53">
             <a:extLst>
               <a:ext uri="{FF2B5EF4-FFF2-40B4-BE49-F238E27FC236}">
-                <a16:creationId xmlns:a16="http://schemas.microsoft.com/office/drawing/2014/main" xmlns="" id="{DA479972-82DD-4E79-B85E-4163B9C48E44}"/>
+                <a16:creationId xmlns="" xmlns:a16="http://schemas.microsoft.com/office/drawing/2014/main" id="{DA479972-82DD-4E79-B85E-4163B9C48E44}"/>
               </a:ext>
             </a:extLst>
           </p:cNvPr>
@@ -7407,7 +7375,7 @@
           <p:cNvPr id="55" name="Straight Arrow Connector 54">
             <a:extLst>
               <a:ext uri="{FF2B5EF4-FFF2-40B4-BE49-F238E27FC236}">
-                <a16:creationId xmlns:a16="http://schemas.microsoft.com/office/drawing/2014/main" xmlns="" id="{46F9E352-6B2C-4DDA-A738-7D95E46C5A4C}"/>
+                <a16:creationId xmlns="" xmlns:a16="http://schemas.microsoft.com/office/drawing/2014/main" id="{46F9E352-6B2C-4DDA-A738-7D95E46C5A4C}"/>
               </a:ext>
             </a:extLst>
           </p:cNvPr>
@@ -7450,7 +7418,7 @@
           <p:cNvPr id="56" name="Straight Arrow Connector 55">
             <a:extLst>
               <a:ext uri="{FF2B5EF4-FFF2-40B4-BE49-F238E27FC236}">
-                <a16:creationId xmlns:a16="http://schemas.microsoft.com/office/drawing/2014/main" xmlns="" id="{900DC455-A563-4D90-A113-DD93DBAE6B6C}"/>
+                <a16:creationId xmlns="" xmlns:a16="http://schemas.microsoft.com/office/drawing/2014/main" id="{900DC455-A563-4D90-A113-DD93DBAE6B6C}"/>
               </a:ext>
             </a:extLst>
           </p:cNvPr>
@@ -7493,7 +7461,7 @@
           <p:cNvPr id="58" name="Flowchart: Connector 57">
             <a:extLst>
               <a:ext uri="{FF2B5EF4-FFF2-40B4-BE49-F238E27FC236}">
-                <a16:creationId xmlns:a16="http://schemas.microsoft.com/office/drawing/2014/main" xmlns="" id="{BBB755EB-7507-46E8-9D2B-7E14927CBFEA}"/>
+                <a16:creationId xmlns="" xmlns:a16="http://schemas.microsoft.com/office/drawing/2014/main" id="{BBB755EB-7507-46E8-9D2B-7E14927CBFEA}"/>
               </a:ext>
             </a:extLst>
           </p:cNvPr>
@@ -7542,7 +7510,7 @@
           <p:cNvPr id="59" name="Straight Arrow Connector 58">
             <a:extLst>
               <a:ext uri="{FF2B5EF4-FFF2-40B4-BE49-F238E27FC236}">
-                <a16:creationId xmlns:a16="http://schemas.microsoft.com/office/drawing/2014/main" xmlns="" id="{54309F16-9A09-4181-AC10-A9FF1E1F6F84}"/>
+                <a16:creationId xmlns="" xmlns:a16="http://schemas.microsoft.com/office/drawing/2014/main" id="{54309F16-9A09-4181-AC10-A9FF1E1F6F84}"/>
               </a:ext>
             </a:extLst>
           </p:cNvPr>
@@ -7585,7 +7553,7 @@
           <p:cNvPr id="71" name="Rectangle: Rounded Corners 70">
             <a:extLst>
               <a:ext uri="{FF2B5EF4-FFF2-40B4-BE49-F238E27FC236}">
-                <a16:creationId xmlns:a16="http://schemas.microsoft.com/office/drawing/2014/main" xmlns="" id="{B155D08E-4274-4069-A5E1-6237B60F302B}"/>
+                <a16:creationId xmlns="" xmlns:a16="http://schemas.microsoft.com/office/drawing/2014/main" id="{B155D08E-4274-4069-A5E1-6237B60F302B}"/>
               </a:ext>
             </a:extLst>
           </p:cNvPr>
@@ -7641,7 +7609,7 @@
           <p:cNvPr id="72" name="Rectangle: Rounded Corners 71">
             <a:extLst>
               <a:ext uri="{FF2B5EF4-FFF2-40B4-BE49-F238E27FC236}">
-                <a16:creationId xmlns:a16="http://schemas.microsoft.com/office/drawing/2014/main" xmlns="" id="{B75A8F91-3A80-4BDF-8C64-955A4C5C57FE}"/>
+                <a16:creationId xmlns="" xmlns:a16="http://schemas.microsoft.com/office/drawing/2014/main" id="{B75A8F91-3A80-4BDF-8C64-955A4C5C57FE}"/>
               </a:ext>
             </a:extLst>
           </p:cNvPr>
@@ -7727,7 +7695,7 @@
           <p:cNvPr id="2" name="Title 1">
             <a:extLst>
               <a:ext uri="{FF2B5EF4-FFF2-40B4-BE49-F238E27FC236}">
-                <a16:creationId xmlns:a16="http://schemas.microsoft.com/office/drawing/2014/main" xmlns="" id="{D0C7DF2E-C79C-4A6E-9834-CD0FFA69AB0E}"/>
+                <a16:creationId xmlns="" xmlns:a16="http://schemas.microsoft.com/office/drawing/2014/main" id="{D0C7DF2E-C79C-4A6E-9834-CD0FFA69AB0E}"/>
               </a:ext>
             </a:extLst>
           </p:cNvPr>
@@ -7755,7 +7723,7 @@
           <p:cNvPr id="3" name="Content Placeholder 2">
             <a:extLst>
               <a:ext uri="{FF2B5EF4-FFF2-40B4-BE49-F238E27FC236}">
-                <a16:creationId xmlns:a16="http://schemas.microsoft.com/office/drawing/2014/main" xmlns="" id="{72BEDCB5-D7B4-4AD0-9E56-D2C0A42986C4}"/>
+                <a16:creationId xmlns="" xmlns:a16="http://schemas.microsoft.com/office/drawing/2014/main" id="{72BEDCB5-D7B4-4AD0-9E56-D2C0A42986C4}"/>
               </a:ext>
             </a:extLst>
           </p:cNvPr>
@@ -7788,7 +7756,7 @@
           <p:cNvPr id="4" name="Rectangle 3">
             <a:extLst>
               <a:ext uri="{FF2B5EF4-FFF2-40B4-BE49-F238E27FC236}">
-                <a16:creationId xmlns:a16="http://schemas.microsoft.com/office/drawing/2014/main" xmlns="" id="{121DBF10-671B-4973-8A74-8252B01819A2}"/>
+                <a16:creationId xmlns="" xmlns:a16="http://schemas.microsoft.com/office/drawing/2014/main" id="{121DBF10-671B-4973-8A74-8252B01819A2}"/>
               </a:ext>
             </a:extLst>
           </p:cNvPr>
@@ -7837,7 +7805,7 @@
           <p:cNvPr id="5" name="Rectangle 4">
             <a:extLst>
               <a:ext uri="{FF2B5EF4-FFF2-40B4-BE49-F238E27FC236}">
-                <a16:creationId xmlns:a16="http://schemas.microsoft.com/office/drawing/2014/main" xmlns="" id="{8DF17437-D78E-4756-8EC8-E1A9BE69A3A5}"/>
+                <a16:creationId xmlns="" xmlns:a16="http://schemas.microsoft.com/office/drawing/2014/main" id="{8DF17437-D78E-4756-8EC8-E1A9BE69A3A5}"/>
               </a:ext>
             </a:extLst>
           </p:cNvPr>
@@ -7886,7 +7854,7 @@
           <p:cNvPr id="6" name="Flowchart: Connector 5">
             <a:extLst>
               <a:ext uri="{FF2B5EF4-FFF2-40B4-BE49-F238E27FC236}">
-                <a16:creationId xmlns:a16="http://schemas.microsoft.com/office/drawing/2014/main" xmlns="" id="{86D069EA-1DB8-409D-9552-58855E93DBBB}"/>
+                <a16:creationId xmlns="" xmlns:a16="http://schemas.microsoft.com/office/drawing/2014/main" id="{86D069EA-1DB8-409D-9552-58855E93DBBB}"/>
               </a:ext>
             </a:extLst>
           </p:cNvPr>
@@ -7935,7 +7903,7 @@
           <p:cNvPr id="8" name="Straight Arrow Connector 7">
             <a:extLst>
               <a:ext uri="{FF2B5EF4-FFF2-40B4-BE49-F238E27FC236}">
-                <a16:creationId xmlns:a16="http://schemas.microsoft.com/office/drawing/2014/main" xmlns="" id="{0B20CA98-CB0C-486C-97F3-BA876BD3CD18}"/>
+                <a16:creationId xmlns="" xmlns:a16="http://schemas.microsoft.com/office/drawing/2014/main" id="{0B20CA98-CB0C-486C-97F3-BA876BD3CD18}"/>
               </a:ext>
             </a:extLst>
           </p:cNvPr>
@@ -7978,7 +7946,7 @@
           <p:cNvPr id="10" name="Straight Arrow Connector 9">
             <a:extLst>
               <a:ext uri="{FF2B5EF4-FFF2-40B4-BE49-F238E27FC236}">
-                <a16:creationId xmlns:a16="http://schemas.microsoft.com/office/drawing/2014/main" xmlns="" id="{FB3A530E-AD31-4F74-BA5E-0E264FC8776D}"/>
+                <a16:creationId xmlns="" xmlns:a16="http://schemas.microsoft.com/office/drawing/2014/main" id="{FB3A530E-AD31-4F74-BA5E-0E264FC8776D}"/>
               </a:ext>
             </a:extLst>
           </p:cNvPr>
@@ -8021,7 +7989,7 @@
           <p:cNvPr id="11" name="Rectangle 10">
             <a:extLst>
               <a:ext uri="{FF2B5EF4-FFF2-40B4-BE49-F238E27FC236}">
-                <a16:creationId xmlns:a16="http://schemas.microsoft.com/office/drawing/2014/main" xmlns="" id="{56189065-8890-445A-B132-7A981256E862}"/>
+                <a16:creationId xmlns="" xmlns:a16="http://schemas.microsoft.com/office/drawing/2014/main" id="{56189065-8890-445A-B132-7A981256E862}"/>
               </a:ext>
             </a:extLst>
           </p:cNvPr>
@@ -8070,7 +8038,7 @@
           <p:cNvPr id="12" name="Rectangle 11">
             <a:extLst>
               <a:ext uri="{FF2B5EF4-FFF2-40B4-BE49-F238E27FC236}">
-                <a16:creationId xmlns:a16="http://schemas.microsoft.com/office/drawing/2014/main" xmlns="" id="{AFDEFD90-AEE4-4B87-8D0F-70E45198336F}"/>
+                <a16:creationId xmlns="" xmlns:a16="http://schemas.microsoft.com/office/drawing/2014/main" id="{AFDEFD90-AEE4-4B87-8D0F-70E45198336F}"/>
               </a:ext>
             </a:extLst>
           </p:cNvPr>
@@ -8119,7 +8087,7 @@
           <p:cNvPr id="13" name="Flowchart: Connector 12">
             <a:extLst>
               <a:ext uri="{FF2B5EF4-FFF2-40B4-BE49-F238E27FC236}">
-                <a16:creationId xmlns:a16="http://schemas.microsoft.com/office/drawing/2014/main" xmlns="" id="{F770C9D7-B7AE-4CE9-B7F0-A6BE6C46BE47}"/>
+                <a16:creationId xmlns="" xmlns:a16="http://schemas.microsoft.com/office/drawing/2014/main" id="{F770C9D7-B7AE-4CE9-B7F0-A6BE6C46BE47}"/>
               </a:ext>
             </a:extLst>
           </p:cNvPr>
@@ -8168,7 +8136,7 @@
           <p:cNvPr id="14" name="Straight Arrow Connector 13">
             <a:extLst>
               <a:ext uri="{FF2B5EF4-FFF2-40B4-BE49-F238E27FC236}">
-                <a16:creationId xmlns:a16="http://schemas.microsoft.com/office/drawing/2014/main" xmlns="" id="{536FB7FD-B88A-4A3A-B187-2F5494748E65}"/>
+                <a16:creationId xmlns="" xmlns:a16="http://schemas.microsoft.com/office/drawing/2014/main" id="{536FB7FD-B88A-4A3A-B187-2F5494748E65}"/>
               </a:ext>
             </a:extLst>
           </p:cNvPr>
@@ -8211,7 +8179,7 @@
           <p:cNvPr id="15" name="Straight Arrow Connector 14">
             <a:extLst>
               <a:ext uri="{FF2B5EF4-FFF2-40B4-BE49-F238E27FC236}">
-                <a16:creationId xmlns:a16="http://schemas.microsoft.com/office/drawing/2014/main" xmlns="" id="{B1534CA2-E7C8-4AEE-8FD3-30B1E26AECA2}"/>
+                <a16:creationId xmlns="" xmlns:a16="http://schemas.microsoft.com/office/drawing/2014/main" id="{B1534CA2-E7C8-4AEE-8FD3-30B1E26AECA2}"/>
               </a:ext>
             </a:extLst>
           </p:cNvPr>
@@ -8254,7 +8222,7 @@
           <p:cNvPr id="24" name="Rectangle 23">
             <a:extLst>
               <a:ext uri="{FF2B5EF4-FFF2-40B4-BE49-F238E27FC236}">
-                <a16:creationId xmlns:a16="http://schemas.microsoft.com/office/drawing/2014/main" xmlns="" id="{816E34A8-C157-4B1C-8FA8-79077E1F54EE}"/>
+                <a16:creationId xmlns="" xmlns:a16="http://schemas.microsoft.com/office/drawing/2014/main" id="{816E34A8-C157-4B1C-8FA8-79077E1F54EE}"/>
               </a:ext>
             </a:extLst>
           </p:cNvPr>
@@ -8303,7 +8271,7 @@
           <p:cNvPr id="29" name="Flowchart: Connector 28">
             <a:extLst>
               <a:ext uri="{FF2B5EF4-FFF2-40B4-BE49-F238E27FC236}">
-                <a16:creationId xmlns:a16="http://schemas.microsoft.com/office/drawing/2014/main" xmlns="" id="{38703AA1-CAFC-4491-AE18-ED3532F2F018}"/>
+                <a16:creationId xmlns="" xmlns:a16="http://schemas.microsoft.com/office/drawing/2014/main" id="{38703AA1-CAFC-4491-AE18-ED3532F2F018}"/>
               </a:ext>
             </a:extLst>
           </p:cNvPr>
@@ -8352,7 +8320,7 @@
           <p:cNvPr id="30" name="Straight Arrow Connector 29">
             <a:extLst>
               <a:ext uri="{FF2B5EF4-FFF2-40B4-BE49-F238E27FC236}">
-                <a16:creationId xmlns:a16="http://schemas.microsoft.com/office/drawing/2014/main" xmlns="" id="{B1B461F6-71DB-4EEB-B58D-A9DC4E8342C5}"/>
+                <a16:creationId xmlns="" xmlns:a16="http://schemas.microsoft.com/office/drawing/2014/main" id="{B1B461F6-71DB-4EEB-B58D-A9DC4E8342C5}"/>
               </a:ext>
             </a:extLst>
           </p:cNvPr>
@@ -8395,7 +8363,7 @@
           <p:cNvPr id="36" name="Flowchart: Connector 35">
             <a:extLst>
               <a:ext uri="{FF2B5EF4-FFF2-40B4-BE49-F238E27FC236}">
-                <a16:creationId xmlns:a16="http://schemas.microsoft.com/office/drawing/2014/main" xmlns="" id="{79C836E3-40E8-49DB-BEE3-77B63B5D10EB}"/>
+                <a16:creationId xmlns="" xmlns:a16="http://schemas.microsoft.com/office/drawing/2014/main" id="{79C836E3-40E8-49DB-BEE3-77B63B5D10EB}"/>
               </a:ext>
             </a:extLst>
           </p:cNvPr>
@@ -8444,7 +8412,7 @@
           <p:cNvPr id="37" name="Straight Arrow Connector 36">
             <a:extLst>
               <a:ext uri="{FF2B5EF4-FFF2-40B4-BE49-F238E27FC236}">
-                <a16:creationId xmlns:a16="http://schemas.microsoft.com/office/drawing/2014/main" xmlns="" id="{602DB4E6-BC6B-4EB4-8A08-5A9636AF87DA}"/>
+                <a16:creationId xmlns="" xmlns:a16="http://schemas.microsoft.com/office/drawing/2014/main" id="{602DB4E6-BC6B-4EB4-8A08-5A9636AF87DA}"/>
               </a:ext>
             </a:extLst>
           </p:cNvPr>
@@ -8487,7 +8455,7 @@
           <p:cNvPr id="40" name="Straight Arrow Connector 39">
             <a:extLst>
               <a:ext uri="{FF2B5EF4-FFF2-40B4-BE49-F238E27FC236}">
-                <a16:creationId xmlns:a16="http://schemas.microsoft.com/office/drawing/2014/main" xmlns="" id="{75A86867-4029-404C-8480-198664AE0ADB}"/>
+                <a16:creationId xmlns="" xmlns:a16="http://schemas.microsoft.com/office/drawing/2014/main" id="{75A86867-4029-404C-8480-198664AE0ADB}"/>
               </a:ext>
             </a:extLst>
           </p:cNvPr>
@@ -8530,7 +8498,7 @@
           <p:cNvPr id="46" name="Rectangle 45">
             <a:extLst>
               <a:ext uri="{FF2B5EF4-FFF2-40B4-BE49-F238E27FC236}">
-                <a16:creationId xmlns:a16="http://schemas.microsoft.com/office/drawing/2014/main" xmlns="" id="{3F358C86-311D-4BD6-9B82-632CB11CA8C8}"/>
+                <a16:creationId xmlns="" xmlns:a16="http://schemas.microsoft.com/office/drawing/2014/main" id="{3F358C86-311D-4BD6-9B82-632CB11CA8C8}"/>
               </a:ext>
             </a:extLst>
           </p:cNvPr>
@@ -8579,7 +8547,7 @@
           <p:cNvPr id="47" name="Straight Arrow Connector 46">
             <a:extLst>
               <a:ext uri="{FF2B5EF4-FFF2-40B4-BE49-F238E27FC236}">
-                <a16:creationId xmlns:a16="http://schemas.microsoft.com/office/drawing/2014/main" xmlns="" id="{7D4C0DD6-5729-42E8-90C7-74A6D8847018}"/>
+                <a16:creationId xmlns="" xmlns:a16="http://schemas.microsoft.com/office/drawing/2014/main" id="{7D4C0DD6-5729-42E8-90C7-74A6D8847018}"/>
               </a:ext>
             </a:extLst>
           </p:cNvPr>
@@ -8622,7 +8590,7 @@
           <p:cNvPr id="52" name="Rectangle 51">
             <a:extLst>
               <a:ext uri="{FF2B5EF4-FFF2-40B4-BE49-F238E27FC236}">
-                <a16:creationId xmlns:a16="http://schemas.microsoft.com/office/drawing/2014/main" xmlns="" id="{735FAA7A-7500-460C-8E84-A0079ABDCFF9}"/>
+                <a16:creationId xmlns="" xmlns:a16="http://schemas.microsoft.com/office/drawing/2014/main" id="{735FAA7A-7500-460C-8E84-A0079ABDCFF9}"/>
               </a:ext>
             </a:extLst>
           </p:cNvPr>
@@ -8671,7 +8639,7 @@
           <p:cNvPr id="70" name="Straight Arrow Connector 69">
             <a:extLst>
               <a:ext uri="{FF2B5EF4-FFF2-40B4-BE49-F238E27FC236}">
-                <a16:creationId xmlns:a16="http://schemas.microsoft.com/office/drawing/2014/main" xmlns="" id="{14A3DC0F-6FA1-42C2-BF16-E23A44C72714}"/>
+                <a16:creationId xmlns="" xmlns:a16="http://schemas.microsoft.com/office/drawing/2014/main" id="{14A3DC0F-6FA1-42C2-BF16-E23A44C72714}"/>
               </a:ext>
             </a:extLst>
           </p:cNvPr>
@@ -8714,7 +8682,7 @@
           <p:cNvPr id="43" name="Rectangle 42">
             <a:extLst>
               <a:ext uri="{FF2B5EF4-FFF2-40B4-BE49-F238E27FC236}">
-                <a16:creationId xmlns:a16="http://schemas.microsoft.com/office/drawing/2014/main" xmlns="" id="{AF292549-0C60-4E31-8F87-F3F14BF69539}"/>
+                <a16:creationId xmlns="" xmlns:a16="http://schemas.microsoft.com/office/drawing/2014/main" id="{AF292549-0C60-4E31-8F87-F3F14BF69539}"/>
               </a:ext>
             </a:extLst>
           </p:cNvPr>
@@ -8763,7 +8731,7 @@
           <p:cNvPr id="44" name="Flowchart: Connector 43">
             <a:extLst>
               <a:ext uri="{FF2B5EF4-FFF2-40B4-BE49-F238E27FC236}">
-                <a16:creationId xmlns:a16="http://schemas.microsoft.com/office/drawing/2014/main" xmlns="" id="{BB75B45B-3F00-4048-857A-3BC1E06A321A}"/>
+                <a16:creationId xmlns="" xmlns:a16="http://schemas.microsoft.com/office/drawing/2014/main" id="{BB75B45B-3F00-4048-857A-3BC1E06A321A}"/>
               </a:ext>
             </a:extLst>
           </p:cNvPr>
@@ -8812,7 +8780,7 @@
           <p:cNvPr id="45" name="Straight Arrow Connector 44">
             <a:extLst>
               <a:ext uri="{FF2B5EF4-FFF2-40B4-BE49-F238E27FC236}">
-                <a16:creationId xmlns:a16="http://schemas.microsoft.com/office/drawing/2014/main" xmlns="" id="{E479E003-3235-4C10-9A1C-D3686994809B}"/>
+                <a16:creationId xmlns="" xmlns:a16="http://schemas.microsoft.com/office/drawing/2014/main" id="{E479E003-3235-4C10-9A1C-D3686994809B}"/>
               </a:ext>
             </a:extLst>
           </p:cNvPr>
@@ -8855,7 +8823,7 @@
           <p:cNvPr id="48" name="Rectangle 47">
             <a:extLst>
               <a:ext uri="{FF2B5EF4-FFF2-40B4-BE49-F238E27FC236}">
-                <a16:creationId xmlns:a16="http://schemas.microsoft.com/office/drawing/2014/main" xmlns="" id="{C4A51E1C-B55B-468E-ACC4-394FB7281698}"/>
+                <a16:creationId xmlns="" xmlns:a16="http://schemas.microsoft.com/office/drawing/2014/main" id="{C4A51E1C-B55B-468E-ACC4-394FB7281698}"/>
               </a:ext>
             </a:extLst>
           </p:cNvPr>
@@ -8904,7 +8872,7 @@
           <p:cNvPr id="49" name="Straight Arrow Connector 48">
             <a:extLst>
               <a:ext uri="{FF2B5EF4-FFF2-40B4-BE49-F238E27FC236}">
-                <a16:creationId xmlns:a16="http://schemas.microsoft.com/office/drawing/2014/main" xmlns="" id="{7CF6A2EA-F249-4E66-B785-8017F694640A}"/>
+                <a16:creationId xmlns="" xmlns:a16="http://schemas.microsoft.com/office/drawing/2014/main" id="{7CF6A2EA-F249-4E66-B785-8017F694640A}"/>
               </a:ext>
             </a:extLst>
           </p:cNvPr>
@@ -8947,7 +8915,7 @@
           <p:cNvPr id="55" name="Straight Arrow Connector 54">
             <a:extLst>
               <a:ext uri="{FF2B5EF4-FFF2-40B4-BE49-F238E27FC236}">
-                <a16:creationId xmlns:a16="http://schemas.microsoft.com/office/drawing/2014/main" xmlns="" id="{46F9E352-6B2C-4DDA-A738-7D95E46C5A4C}"/>
+                <a16:creationId xmlns="" xmlns:a16="http://schemas.microsoft.com/office/drawing/2014/main" id="{46F9E352-6B2C-4DDA-A738-7D95E46C5A4C}"/>
               </a:ext>
             </a:extLst>
           </p:cNvPr>
@@ -8990,7 +8958,7 @@
           <p:cNvPr id="56" name="Straight Arrow Connector 55">
             <a:extLst>
               <a:ext uri="{FF2B5EF4-FFF2-40B4-BE49-F238E27FC236}">
-                <a16:creationId xmlns:a16="http://schemas.microsoft.com/office/drawing/2014/main" xmlns="" id="{900DC455-A563-4D90-A113-DD93DBAE6B6C}"/>
+                <a16:creationId xmlns="" xmlns:a16="http://schemas.microsoft.com/office/drawing/2014/main" id="{900DC455-A563-4D90-A113-DD93DBAE6B6C}"/>
               </a:ext>
             </a:extLst>
           </p:cNvPr>
@@ -9033,7 +9001,7 @@
           <p:cNvPr id="58" name="Flowchart: Connector 57">
             <a:extLst>
               <a:ext uri="{FF2B5EF4-FFF2-40B4-BE49-F238E27FC236}">
-                <a16:creationId xmlns:a16="http://schemas.microsoft.com/office/drawing/2014/main" xmlns="" id="{BBB755EB-7507-46E8-9D2B-7E14927CBFEA}"/>
+                <a16:creationId xmlns="" xmlns:a16="http://schemas.microsoft.com/office/drawing/2014/main" id="{BBB755EB-7507-46E8-9D2B-7E14927CBFEA}"/>
               </a:ext>
             </a:extLst>
           </p:cNvPr>
@@ -9082,7 +9050,7 @@
           <p:cNvPr id="59" name="Straight Arrow Connector 58">
             <a:extLst>
               <a:ext uri="{FF2B5EF4-FFF2-40B4-BE49-F238E27FC236}">
-                <a16:creationId xmlns:a16="http://schemas.microsoft.com/office/drawing/2014/main" xmlns="" id="{54309F16-9A09-4181-AC10-A9FF1E1F6F84}"/>
+                <a16:creationId xmlns="" xmlns:a16="http://schemas.microsoft.com/office/drawing/2014/main" id="{54309F16-9A09-4181-AC10-A9FF1E1F6F84}"/>
               </a:ext>
             </a:extLst>
           </p:cNvPr>
@@ -9125,7 +9093,7 @@
           <p:cNvPr id="72" name="Rectangle: Rounded Corners 71">
             <a:extLst>
               <a:ext uri="{FF2B5EF4-FFF2-40B4-BE49-F238E27FC236}">
-                <a16:creationId xmlns:a16="http://schemas.microsoft.com/office/drawing/2014/main" xmlns="" id="{B75A8F91-3A80-4BDF-8C64-955A4C5C57FE}"/>
+                <a16:creationId xmlns="" xmlns:a16="http://schemas.microsoft.com/office/drawing/2014/main" id="{B75A8F91-3A80-4BDF-8C64-955A4C5C57FE}"/>
               </a:ext>
             </a:extLst>
           </p:cNvPr>
@@ -9181,7 +9149,7 @@
           <p:cNvPr id="92" name="Flowchart: Connector 91">
             <a:extLst>
               <a:ext uri="{FF2B5EF4-FFF2-40B4-BE49-F238E27FC236}">
-                <a16:creationId xmlns:a16="http://schemas.microsoft.com/office/drawing/2014/main" xmlns="" id="{9D3981DB-1D7E-4327-829E-44950A6FE740}"/>
+                <a16:creationId xmlns="" xmlns:a16="http://schemas.microsoft.com/office/drawing/2014/main" id="{9D3981DB-1D7E-4327-829E-44950A6FE740}"/>
               </a:ext>
             </a:extLst>
           </p:cNvPr>
@@ -9230,7 +9198,7 @@
           <p:cNvPr id="93" name="Straight Arrow Connector 92">
             <a:extLst>
               <a:ext uri="{FF2B5EF4-FFF2-40B4-BE49-F238E27FC236}">
-                <a16:creationId xmlns:a16="http://schemas.microsoft.com/office/drawing/2014/main" xmlns="" id="{D353715F-CDE4-43DF-80E7-CF90C4AA1F9F}"/>
+                <a16:creationId xmlns="" xmlns:a16="http://schemas.microsoft.com/office/drawing/2014/main" id="{D353715F-CDE4-43DF-80E7-CF90C4AA1F9F}"/>
               </a:ext>
             </a:extLst>
           </p:cNvPr>
@@ -9303,7 +9271,7 @@
           <p:cNvPr id="2" name="Title 1">
             <a:extLst>
               <a:ext uri="{FF2B5EF4-FFF2-40B4-BE49-F238E27FC236}">
-                <a16:creationId xmlns:a16="http://schemas.microsoft.com/office/drawing/2014/main" xmlns="" id="{38B98ED8-9CE5-4C87-93CA-2F7E4D11C7E1}"/>
+                <a16:creationId xmlns="" xmlns:a16="http://schemas.microsoft.com/office/drawing/2014/main" id="{38B98ED8-9CE5-4C87-93CA-2F7E4D11C7E1}"/>
               </a:ext>
             </a:extLst>
           </p:cNvPr>
@@ -9331,7 +9299,7 @@
           <p:cNvPr id="3" name="Content Placeholder 2">
             <a:extLst>
               <a:ext uri="{FF2B5EF4-FFF2-40B4-BE49-F238E27FC236}">
-                <a16:creationId xmlns:a16="http://schemas.microsoft.com/office/drawing/2014/main" xmlns="" id="{B26ED0D2-3FD9-435E-8AD9-90246F2BDEAA}"/>
+                <a16:creationId xmlns="" xmlns:a16="http://schemas.microsoft.com/office/drawing/2014/main" id="{B26ED0D2-3FD9-435E-8AD9-90246F2BDEAA}"/>
               </a:ext>
             </a:extLst>
           </p:cNvPr>
@@ -9422,7 +9390,7 @@
           <p:cNvPr id="2" name="Title 1">
             <a:extLst>
               <a:ext uri="{FF2B5EF4-FFF2-40B4-BE49-F238E27FC236}">
-                <a16:creationId xmlns:a16="http://schemas.microsoft.com/office/drawing/2014/main" xmlns="" id="{A7ADD1DC-E1F1-4426-9262-BA1D92599702}"/>
+                <a16:creationId xmlns="" xmlns:a16="http://schemas.microsoft.com/office/drawing/2014/main" id="{A7ADD1DC-E1F1-4426-9262-BA1D92599702}"/>
               </a:ext>
             </a:extLst>
           </p:cNvPr>
@@ -9457,7 +9425,7 @@
           <p:cNvPr id="3" name="Content Placeholder 2">
             <a:extLst>
               <a:ext uri="{FF2B5EF4-FFF2-40B4-BE49-F238E27FC236}">
-                <a16:creationId xmlns:a16="http://schemas.microsoft.com/office/drawing/2014/main" xmlns="" id="{8B11E17B-9E4B-4E0C-AFC8-253B79B9795D}"/>
+                <a16:creationId xmlns="" xmlns:a16="http://schemas.microsoft.com/office/drawing/2014/main" id="{8B11E17B-9E4B-4E0C-AFC8-253B79B9795D}"/>
               </a:ext>
             </a:extLst>
           </p:cNvPr>
@@ -9586,7 +9554,7 @@
           <p:cNvPr id="4" name="Picture 3">
             <a:extLst>
               <a:ext uri="{FF2B5EF4-FFF2-40B4-BE49-F238E27FC236}">
-                <a16:creationId xmlns:a16="http://schemas.microsoft.com/office/drawing/2014/main" xmlns="" id="{EC52339B-17E9-497F-A015-45EABCC549F1}"/>
+                <a16:creationId xmlns="" xmlns:a16="http://schemas.microsoft.com/office/drawing/2014/main" id="{EC52339B-17E9-497F-A015-45EABCC549F1}"/>
               </a:ext>
             </a:extLst>
           </p:cNvPr>
@@ -9646,7 +9614,7 @@
           <p:cNvPr id="2" name="Title 1">
             <a:extLst>
               <a:ext uri="{FF2B5EF4-FFF2-40B4-BE49-F238E27FC236}">
-                <a16:creationId xmlns:a16="http://schemas.microsoft.com/office/drawing/2014/main" xmlns="" id="{15F42359-57CD-4A79-B3DF-DEE29891D16E}"/>
+                <a16:creationId xmlns="" xmlns:a16="http://schemas.microsoft.com/office/drawing/2014/main" id="{15F42359-57CD-4A79-B3DF-DEE29891D16E}"/>
               </a:ext>
             </a:extLst>
           </p:cNvPr>
@@ -9674,7 +9642,7 @@
           <p:cNvPr id="4" name="Rectangle 3">
             <a:extLst>
               <a:ext uri="{FF2B5EF4-FFF2-40B4-BE49-F238E27FC236}">
-                <a16:creationId xmlns:a16="http://schemas.microsoft.com/office/drawing/2014/main" xmlns="" id="{EA7DF001-EB01-4CBF-A791-6FB7A24651AA}"/>
+                <a16:creationId xmlns="" xmlns:a16="http://schemas.microsoft.com/office/drawing/2014/main" id="{EA7DF001-EB01-4CBF-A791-6FB7A24651AA}"/>
               </a:ext>
             </a:extLst>
           </p:cNvPr>
@@ -10071,7 +10039,7 @@
           <p:cNvPr id="5" name="Callout: Line 4">
             <a:extLst>
               <a:ext uri="{FF2B5EF4-FFF2-40B4-BE49-F238E27FC236}">
-                <a16:creationId xmlns:a16="http://schemas.microsoft.com/office/drawing/2014/main" xmlns="" id="{080B16D4-89E6-4498-A594-76D40965118B}"/>
+                <a16:creationId xmlns="" xmlns:a16="http://schemas.microsoft.com/office/drawing/2014/main" id="{080B16D4-89E6-4498-A594-76D40965118B}"/>
               </a:ext>
             </a:extLst>
           </p:cNvPr>
@@ -10125,7 +10093,7 @@
           <p:cNvPr id="6" name="Callout: Line 5">
             <a:extLst>
               <a:ext uri="{FF2B5EF4-FFF2-40B4-BE49-F238E27FC236}">
-                <a16:creationId xmlns:a16="http://schemas.microsoft.com/office/drawing/2014/main" xmlns="" id="{742979F6-3F9B-44A3-AB57-D26CB7525B08}"/>
+                <a16:creationId xmlns="" xmlns:a16="http://schemas.microsoft.com/office/drawing/2014/main" id="{742979F6-3F9B-44A3-AB57-D26CB7525B08}"/>
               </a:ext>
             </a:extLst>
           </p:cNvPr>
@@ -10179,7 +10147,7 @@
           <p:cNvPr id="7" name="Callout: Line 6">
             <a:extLst>
               <a:ext uri="{FF2B5EF4-FFF2-40B4-BE49-F238E27FC236}">
-                <a16:creationId xmlns:a16="http://schemas.microsoft.com/office/drawing/2014/main" xmlns="" id="{6EF9FBB5-0FF3-45D5-A48F-ECE483E28FD2}"/>
+                <a16:creationId xmlns="" xmlns:a16="http://schemas.microsoft.com/office/drawing/2014/main" id="{6EF9FBB5-0FF3-45D5-A48F-ECE483E28FD2}"/>
               </a:ext>
             </a:extLst>
           </p:cNvPr>
@@ -10263,7 +10231,7 @@
           <p:cNvPr id="2" name="Title 1">
             <a:extLst>
               <a:ext uri="{FF2B5EF4-FFF2-40B4-BE49-F238E27FC236}">
-                <a16:creationId xmlns:a16="http://schemas.microsoft.com/office/drawing/2014/main" xmlns="" id="{314D0DAB-D5E2-4DD6-BAFA-30EF4F03A98A}"/>
+                <a16:creationId xmlns="" xmlns:a16="http://schemas.microsoft.com/office/drawing/2014/main" id="{314D0DAB-D5E2-4DD6-BAFA-30EF4F03A98A}"/>
               </a:ext>
             </a:extLst>
           </p:cNvPr>
@@ -10295,7 +10263,7 @@
           <p:cNvPr id="4" name="Rectangle 3">
             <a:extLst>
               <a:ext uri="{FF2B5EF4-FFF2-40B4-BE49-F238E27FC236}">
-                <a16:creationId xmlns:a16="http://schemas.microsoft.com/office/drawing/2014/main" xmlns="" id="{EFF3A8AA-72A0-4706-9EC5-4335C37CF2C4}"/>
+                <a16:creationId xmlns="" xmlns:a16="http://schemas.microsoft.com/office/drawing/2014/main" id="{EFF3A8AA-72A0-4706-9EC5-4335C37CF2C4}"/>
               </a:ext>
             </a:extLst>
           </p:cNvPr>
@@ -11003,7 +10971,7 @@
           <p:cNvPr id="5" name="Callout: Line 4">
             <a:extLst>
               <a:ext uri="{FF2B5EF4-FFF2-40B4-BE49-F238E27FC236}">
-                <a16:creationId xmlns:a16="http://schemas.microsoft.com/office/drawing/2014/main" xmlns="" id="{28C6DACA-CB59-412E-A14C-AF4CE61C0860}"/>
+                <a16:creationId xmlns="" xmlns:a16="http://schemas.microsoft.com/office/drawing/2014/main" id="{28C6DACA-CB59-412E-A14C-AF4CE61C0860}"/>
               </a:ext>
             </a:extLst>
           </p:cNvPr>
@@ -11057,7 +11025,7 @@
           <p:cNvPr id="6" name="Callout: Line 5">
             <a:extLst>
               <a:ext uri="{FF2B5EF4-FFF2-40B4-BE49-F238E27FC236}">
-                <a16:creationId xmlns:a16="http://schemas.microsoft.com/office/drawing/2014/main" xmlns="" id="{F6A591DE-044D-4789-A6E0-8DE1CDA6E67D}"/>
+                <a16:creationId xmlns="" xmlns:a16="http://schemas.microsoft.com/office/drawing/2014/main" id="{F6A591DE-044D-4789-A6E0-8DE1CDA6E67D}"/>
               </a:ext>
             </a:extLst>
           </p:cNvPr>
@@ -11111,7 +11079,7 @@
           <p:cNvPr id="7" name="Callout: Line 6">
             <a:extLst>
               <a:ext uri="{FF2B5EF4-FFF2-40B4-BE49-F238E27FC236}">
-                <a16:creationId xmlns:a16="http://schemas.microsoft.com/office/drawing/2014/main" xmlns="" id="{B51834B3-11C0-4EAA-B40E-997B02EFA15D}"/>
+                <a16:creationId xmlns="" xmlns:a16="http://schemas.microsoft.com/office/drawing/2014/main" id="{B51834B3-11C0-4EAA-B40E-997B02EFA15D}"/>
               </a:ext>
             </a:extLst>
           </p:cNvPr>
@@ -11165,7 +11133,7 @@
           <p:cNvPr id="8" name="Callout: Line 7">
             <a:extLst>
               <a:ext uri="{FF2B5EF4-FFF2-40B4-BE49-F238E27FC236}">
-                <a16:creationId xmlns:a16="http://schemas.microsoft.com/office/drawing/2014/main" xmlns="" id="{E068385A-F36A-43A9-AB01-6545C9DC057B}"/>
+                <a16:creationId xmlns="" xmlns:a16="http://schemas.microsoft.com/office/drawing/2014/main" id="{E068385A-F36A-43A9-AB01-6545C9DC057B}"/>
               </a:ext>
             </a:extLst>
           </p:cNvPr>
@@ -11219,7 +11187,7 @@
           <p:cNvPr id="9" name="Callout: Line 8">
             <a:extLst>
               <a:ext uri="{FF2B5EF4-FFF2-40B4-BE49-F238E27FC236}">
-                <a16:creationId xmlns:a16="http://schemas.microsoft.com/office/drawing/2014/main" xmlns="" id="{4D9B8486-F8CB-4396-A56A-D003E42F9F9A}"/>
+                <a16:creationId xmlns="" xmlns:a16="http://schemas.microsoft.com/office/drawing/2014/main" id="{4D9B8486-F8CB-4396-A56A-D003E42F9F9A}"/>
               </a:ext>
             </a:extLst>
           </p:cNvPr>
@@ -11273,7 +11241,7 @@
           <p:cNvPr id="10" name="Callout: Line 9">
             <a:extLst>
               <a:ext uri="{FF2B5EF4-FFF2-40B4-BE49-F238E27FC236}">
-                <a16:creationId xmlns:a16="http://schemas.microsoft.com/office/drawing/2014/main" xmlns="" id="{61FF3A07-2ED5-4722-B196-F9CE21B6C672}"/>
+                <a16:creationId xmlns="" xmlns:a16="http://schemas.microsoft.com/office/drawing/2014/main" id="{61FF3A07-2ED5-4722-B196-F9CE21B6C672}"/>
               </a:ext>
             </a:extLst>
           </p:cNvPr>
@@ -11327,7 +11295,7 @@
           <p:cNvPr id="11" name="Callout: Line 10">
             <a:extLst>
               <a:ext uri="{FF2B5EF4-FFF2-40B4-BE49-F238E27FC236}">
-                <a16:creationId xmlns:a16="http://schemas.microsoft.com/office/drawing/2014/main" xmlns="" id="{064D5415-0532-463D-9400-95CF195F573A}"/>
+                <a16:creationId xmlns="" xmlns:a16="http://schemas.microsoft.com/office/drawing/2014/main" id="{064D5415-0532-463D-9400-95CF195F573A}"/>
               </a:ext>
             </a:extLst>
           </p:cNvPr>
@@ -11381,7 +11349,7 @@
           <p:cNvPr id="12" name="Rectangle 11">
             <a:extLst>
               <a:ext uri="{FF2B5EF4-FFF2-40B4-BE49-F238E27FC236}">
-                <a16:creationId xmlns:a16="http://schemas.microsoft.com/office/drawing/2014/main" xmlns="" id="{E14E3671-3D99-46A6-A3FF-9B7548573D6B}"/>
+                <a16:creationId xmlns="" xmlns:a16="http://schemas.microsoft.com/office/drawing/2014/main" id="{E14E3671-3D99-46A6-A3FF-9B7548573D6B}"/>
               </a:ext>
             </a:extLst>
           </p:cNvPr>
@@ -11515,7 +11483,7 @@
           <p:cNvPr id="14" name="Connector: Elbow 13">
             <a:extLst>
               <a:ext uri="{FF2B5EF4-FFF2-40B4-BE49-F238E27FC236}">
-                <a16:creationId xmlns:a16="http://schemas.microsoft.com/office/drawing/2014/main" xmlns="" id="{31F0C160-89B6-4502-A1D2-B5C766C780D8}"/>
+                <a16:creationId xmlns="" xmlns:a16="http://schemas.microsoft.com/office/drawing/2014/main" id="{31F0C160-89B6-4502-A1D2-B5C766C780D8}"/>
               </a:ext>
             </a:extLst>
           </p:cNvPr>
@@ -11558,7 +11526,7 @@
           <p:cNvPr id="23" name="Rectangle: Rounded Corners 22">
             <a:extLst>
               <a:ext uri="{FF2B5EF4-FFF2-40B4-BE49-F238E27FC236}">
-                <a16:creationId xmlns:a16="http://schemas.microsoft.com/office/drawing/2014/main" xmlns="" id="{120B0EAF-4C5C-4C79-AD7E-6A36C730F821}"/>
+                <a16:creationId xmlns="" xmlns:a16="http://schemas.microsoft.com/office/drawing/2014/main" id="{120B0EAF-4C5C-4C79-AD7E-6A36C730F821}"/>
               </a:ext>
             </a:extLst>
           </p:cNvPr>
@@ -11636,7 +11604,7 @@
                 <a:hlinkClick r:id="rId2">
                   <a:extLst>
                     <a:ext uri="{A12FA001-AC4F-418D-AE19-62706E023703}">
-                      <ahyp:hlinkClr xmlns:ahyp="http://schemas.microsoft.com/office/drawing/2018/hyperlinkcolor" xmlns="" val="tx"/>
+                      <ahyp:hlinkClr xmlns="" xmlns:ahyp="http://schemas.microsoft.com/office/drawing/2018/hyperlinkcolor" val="tx"/>
                     </a:ext>
                   </a:extLst>
                 </a:hlinkClick>
@@ -11697,7 +11665,7 @@
           <p:cNvPr id="2" name="Title 1">
             <a:extLst>
               <a:ext uri="{FF2B5EF4-FFF2-40B4-BE49-F238E27FC236}">
-                <a16:creationId xmlns:a16="http://schemas.microsoft.com/office/drawing/2014/main" xmlns="" id="{314D0DAB-D5E2-4DD6-BAFA-30EF4F03A98A}"/>
+                <a16:creationId xmlns="" xmlns:a16="http://schemas.microsoft.com/office/drawing/2014/main" id="{314D0DAB-D5E2-4DD6-BAFA-30EF4F03A98A}"/>
               </a:ext>
             </a:extLst>
           </p:cNvPr>
@@ -11729,7 +11697,7 @@
           <p:cNvPr id="5" name="Callout: Line 4">
             <a:extLst>
               <a:ext uri="{FF2B5EF4-FFF2-40B4-BE49-F238E27FC236}">
-                <a16:creationId xmlns:a16="http://schemas.microsoft.com/office/drawing/2014/main" xmlns="" id="{28C6DACA-CB59-412E-A14C-AF4CE61C0860}"/>
+                <a16:creationId xmlns="" xmlns:a16="http://schemas.microsoft.com/office/drawing/2014/main" id="{28C6DACA-CB59-412E-A14C-AF4CE61C0860}"/>
               </a:ext>
             </a:extLst>
           </p:cNvPr>
@@ -11783,7 +11751,7 @@
           <p:cNvPr id="6" name="Callout: Line 5">
             <a:extLst>
               <a:ext uri="{FF2B5EF4-FFF2-40B4-BE49-F238E27FC236}">
-                <a16:creationId xmlns:a16="http://schemas.microsoft.com/office/drawing/2014/main" xmlns="" id="{F6A591DE-044D-4789-A6E0-8DE1CDA6E67D}"/>
+                <a16:creationId xmlns="" xmlns:a16="http://schemas.microsoft.com/office/drawing/2014/main" id="{F6A591DE-044D-4789-A6E0-8DE1CDA6E67D}"/>
               </a:ext>
             </a:extLst>
           </p:cNvPr>
@@ -11837,7 +11805,7 @@
           <p:cNvPr id="7" name="Callout: Line 6">
             <a:extLst>
               <a:ext uri="{FF2B5EF4-FFF2-40B4-BE49-F238E27FC236}">
-                <a16:creationId xmlns:a16="http://schemas.microsoft.com/office/drawing/2014/main" xmlns="" id="{B51834B3-11C0-4EAA-B40E-997B02EFA15D}"/>
+                <a16:creationId xmlns="" xmlns:a16="http://schemas.microsoft.com/office/drawing/2014/main" id="{B51834B3-11C0-4EAA-B40E-997B02EFA15D}"/>
               </a:ext>
             </a:extLst>
           </p:cNvPr>
@@ -11891,7 +11859,7 @@
           <p:cNvPr id="8" name="Callout: Line 7">
             <a:extLst>
               <a:ext uri="{FF2B5EF4-FFF2-40B4-BE49-F238E27FC236}">
-                <a16:creationId xmlns:a16="http://schemas.microsoft.com/office/drawing/2014/main" xmlns="" id="{E068385A-F36A-43A9-AB01-6545C9DC057B}"/>
+                <a16:creationId xmlns="" xmlns:a16="http://schemas.microsoft.com/office/drawing/2014/main" id="{E068385A-F36A-43A9-AB01-6545C9DC057B}"/>
               </a:ext>
             </a:extLst>
           </p:cNvPr>
@@ -11945,7 +11913,7 @@
           <p:cNvPr id="9" name="Callout: Line 8">
             <a:extLst>
               <a:ext uri="{FF2B5EF4-FFF2-40B4-BE49-F238E27FC236}">
-                <a16:creationId xmlns:a16="http://schemas.microsoft.com/office/drawing/2014/main" xmlns="" id="{4D9B8486-F8CB-4396-A56A-D003E42F9F9A}"/>
+                <a16:creationId xmlns="" xmlns:a16="http://schemas.microsoft.com/office/drawing/2014/main" id="{4D9B8486-F8CB-4396-A56A-D003E42F9F9A}"/>
               </a:ext>
             </a:extLst>
           </p:cNvPr>
@@ -11999,7 +11967,7 @@
           <p:cNvPr id="10" name="Callout: Line 9">
             <a:extLst>
               <a:ext uri="{FF2B5EF4-FFF2-40B4-BE49-F238E27FC236}">
-                <a16:creationId xmlns:a16="http://schemas.microsoft.com/office/drawing/2014/main" xmlns="" id="{61FF3A07-2ED5-4722-B196-F9CE21B6C672}"/>
+                <a16:creationId xmlns="" xmlns:a16="http://schemas.microsoft.com/office/drawing/2014/main" id="{61FF3A07-2ED5-4722-B196-F9CE21B6C672}"/>
               </a:ext>
             </a:extLst>
           </p:cNvPr>
@@ -12053,7 +12021,7 @@
           <p:cNvPr id="11" name="Callout: Line 10">
             <a:extLst>
               <a:ext uri="{FF2B5EF4-FFF2-40B4-BE49-F238E27FC236}">
-                <a16:creationId xmlns:a16="http://schemas.microsoft.com/office/drawing/2014/main" xmlns="" id="{064D5415-0532-463D-9400-95CF195F573A}"/>
+                <a16:creationId xmlns="" xmlns:a16="http://schemas.microsoft.com/office/drawing/2014/main" id="{064D5415-0532-463D-9400-95CF195F573A}"/>
               </a:ext>
             </a:extLst>
           </p:cNvPr>
@@ -12107,7 +12075,7 @@
           <p:cNvPr id="15" name="Rectangle 14">
             <a:extLst>
               <a:ext uri="{FF2B5EF4-FFF2-40B4-BE49-F238E27FC236}">
-                <a16:creationId xmlns:a16="http://schemas.microsoft.com/office/drawing/2014/main" xmlns="" id="{80974359-1DA2-408A-A747-820282D88376}"/>
+                <a16:creationId xmlns="" xmlns:a16="http://schemas.microsoft.com/office/drawing/2014/main" id="{80974359-1DA2-408A-A747-820282D88376}"/>
               </a:ext>
             </a:extLst>
           </p:cNvPr>
@@ -12708,7 +12676,7 @@
           <p:cNvPr id="16" name="Callout: Line 15">
             <a:extLst>
               <a:ext uri="{FF2B5EF4-FFF2-40B4-BE49-F238E27FC236}">
-                <a16:creationId xmlns:a16="http://schemas.microsoft.com/office/drawing/2014/main" xmlns="" id="{FE71715B-0D91-4F90-A46B-D5E9D52AE5C0}"/>
+                <a16:creationId xmlns="" xmlns:a16="http://schemas.microsoft.com/office/drawing/2014/main" id="{FE71715B-0D91-4F90-A46B-D5E9D52AE5C0}"/>
               </a:ext>
             </a:extLst>
           </p:cNvPr>
@@ -12762,7 +12730,7 @@
           <p:cNvPr id="17" name="Callout: Line 16">
             <a:extLst>
               <a:ext uri="{FF2B5EF4-FFF2-40B4-BE49-F238E27FC236}">
-                <a16:creationId xmlns:a16="http://schemas.microsoft.com/office/drawing/2014/main" xmlns="" id="{70DB8688-6A8E-460D-AD39-549F0B9C83A3}"/>
+                <a16:creationId xmlns="" xmlns:a16="http://schemas.microsoft.com/office/drawing/2014/main" id="{70DB8688-6A8E-460D-AD39-549F0B9C83A3}"/>
               </a:ext>
             </a:extLst>
           </p:cNvPr>
@@ -12846,7 +12814,7 @@
           <p:cNvPr id="2" name="Title 1">
             <a:extLst>
               <a:ext uri="{FF2B5EF4-FFF2-40B4-BE49-F238E27FC236}">
-                <a16:creationId xmlns:a16="http://schemas.microsoft.com/office/drawing/2014/main" xmlns="" id="{8BAE87D6-B8B2-4F9C-B6F5-44B1992E04DE}"/>
+                <a16:creationId xmlns="" xmlns:a16="http://schemas.microsoft.com/office/drawing/2014/main" id="{8BAE87D6-B8B2-4F9C-B6F5-44B1992E04DE}"/>
               </a:ext>
             </a:extLst>
           </p:cNvPr>
@@ -12874,7 +12842,7 @@
           <p:cNvPr id="3" name="Content Placeholder 2">
             <a:extLst>
               <a:ext uri="{FF2B5EF4-FFF2-40B4-BE49-F238E27FC236}">
-                <a16:creationId xmlns:a16="http://schemas.microsoft.com/office/drawing/2014/main" xmlns="" id="{2C357E4B-9A08-482E-B0AB-0BF6C3BB907B}"/>
+                <a16:creationId xmlns="" xmlns:a16="http://schemas.microsoft.com/office/drawing/2014/main" id="{2C357E4B-9A08-482E-B0AB-0BF6C3BB907B}"/>
               </a:ext>
             </a:extLst>
           </p:cNvPr>
@@ -12927,7 +12895,7 @@
           <p:cNvPr id="4" name="Rectangle 3">
             <a:extLst>
               <a:ext uri="{FF2B5EF4-FFF2-40B4-BE49-F238E27FC236}">
-                <a16:creationId xmlns:a16="http://schemas.microsoft.com/office/drawing/2014/main" xmlns="" id="{9C20819C-4132-412B-97D4-ADD4C430EB27}"/>
+                <a16:creationId xmlns="" xmlns:a16="http://schemas.microsoft.com/office/drawing/2014/main" id="{9C20819C-4132-412B-97D4-ADD4C430EB27}"/>
               </a:ext>
             </a:extLst>
           </p:cNvPr>
@@ -13332,7 +13300,7 @@
           <p:cNvPr id="5" name="Rectangle: Rounded Corners 4">
             <a:extLst>
               <a:ext uri="{FF2B5EF4-FFF2-40B4-BE49-F238E27FC236}">
-                <a16:creationId xmlns:a16="http://schemas.microsoft.com/office/drawing/2014/main" xmlns="" id="{4C78E4B4-FE72-40AD-A9EE-056CC0F85DC3}"/>
+                <a16:creationId xmlns="" xmlns:a16="http://schemas.microsoft.com/office/drawing/2014/main" id="{4C78E4B4-FE72-40AD-A9EE-056CC0F85DC3}"/>
               </a:ext>
             </a:extLst>
           </p:cNvPr>
@@ -13384,7 +13352,7 @@
           <p:cNvPr id="7" name="Straight Arrow Connector 6">
             <a:extLst>
               <a:ext uri="{FF2B5EF4-FFF2-40B4-BE49-F238E27FC236}">
-                <a16:creationId xmlns:a16="http://schemas.microsoft.com/office/drawing/2014/main" xmlns="" id="{4FDC5C6A-7B1C-4986-A834-0F6AB6CE3DA0}"/>
+                <a16:creationId xmlns="" xmlns:a16="http://schemas.microsoft.com/office/drawing/2014/main" id="{4FDC5C6A-7B1C-4986-A834-0F6AB6CE3DA0}"/>
               </a:ext>
             </a:extLst>
           </p:cNvPr>
@@ -13428,7 +13396,7 @@
           <p:cNvPr id="9" name="Straight Arrow Connector 8">
             <a:extLst>
               <a:ext uri="{FF2B5EF4-FFF2-40B4-BE49-F238E27FC236}">
-                <a16:creationId xmlns:a16="http://schemas.microsoft.com/office/drawing/2014/main" xmlns="" id="{90EB880D-7E13-4C76-94E6-4C6802A2C39C}"/>
+                <a16:creationId xmlns="" xmlns:a16="http://schemas.microsoft.com/office/drawing/2014/main" id="{90EB880D-7E13-4C76-94E6-4C6802A2C39C}"/>
               </a:ext>
             </a:extLst>
           </p:cNvPr>
@@ -13502,7 +13470,7 @@
           <p:cNvPr id="2" name="Title 1">
             <a:extLst>
               <a:ext uri="{FF2B5EF4-FFF2-40B4-BE49-F238E27FC236}">
-                <a16:creationId xmlns:a16="http://schemas.microsoft.com/office/drawing/2014/main" xmlns="" id="{ED158E4E-BE2D-408B-B665-05E95DEDCB58}"/>
+                <a16:creationId xmlns="" xmlns:a16="http://schemas.microsoft.com/office/drawing/2014/main" id="{ED158E4E-BE2D-408B-B665-05E95DEDCB58}"/>
               </a:ext>
             </a:extLst>
           </p:cNvPr>
@@ -13530,7 +13498,7 @@
           <p:cNvPr id="4" name="Rectangle 3">
             <a:extLst>
               <a:ext uri="{FF2B5EF4-FFF2-40B4-BE49-F238E27FC236}">
-                <a16:creationId xmlns:a16="http://schemas.microsoft.com/office/drawing/2014/main" xmlns="" id="{9979DE56-6EC4-4BBD-82C2-F93EE9054DE7}"/>
+                <a16:creationId xmlns="" xmlns:a16="http://schemas.microsoft.com/office/drawing/2014/main" id="{9979DE56-6EC4-4BBD-82C2-F93EE9054DE7}"/>
               </a:ext>
             </a:extLst>
           </p:cNvPr>
@@ -14083,7 +14051,7 @@
           <p:cNvPr id="5" name="Callout: Line 4">
             <a:extLst>
               <a:ext uri="{FF2B5EF4-FFF2-40B4-BE49-F238E27FC236}">
-                <a16:creationId xmlns:a16="http://schemas.microsoft.com/office/drawing/2014/main" xmlns="" id="{66EF1D4F-0940-4746-8EC1-36597FC482C8}"/>
+                <a16:creationId xmlns="" xmlns:a16="http://schemas.microsoft.com/office/drawing/2014/main" id="{66EF1D4F-0940-4746-8EC1-36597FC482C8}"/>
               </a:ext>
             </a:extLst>
           </p:cNvPr>
@@ -14137,7 +14105,7 @@
           <p:cNvPr id="6" name="Callout: Line 5">
             <a:extLst>
               <a:ext uri="{FF2B5EF4-FFF2-40B4-BE49-F238E27FC236}">
-                <a16:creationId xmlns:a16="http://schemas.microsoft.com/office/drawing/2014/main" xmlns="" id="{9D0D1843-9862-40BB-94FE-721495EE9EFA}"/>
+                <a16:creationId xmlns="" xmlns:a16="http://schemas.microsoft.com/office/drawing/2014/main" id="{9D0D1843-9862-40BB-94FE-721495EE9EFA}"/>
               </a:ext>
             </a:extLst>
           </p:cNvPr>
@@ -14191,7 +14159,7 @@
           <p:cNvPr id="7" name="Callout: Line 6">
             <a:extLst>
               <a:ext uri="{FF2B5EF4-FFF2-40B4-BE49-F238E27FC236}">
-                <a16:creationId xmlns:a16="http://schemas.microsoft.com/office/drawing/2014/main" xmlns="" id="{98C8EA62-D968-4E77-85EE-DEFD9B77307C}"/>
+                <a16:creationId xmlns="" xmlns:a16="http://schemas.microsoft.com/office/drawing/2014/main" id="{98C8EA62-D968-4E77-85EE-DEFD9B77307C}"/>
               </a:ext>
             </a:extLst>
           </p:cNvPr>
@@ -14245,7 +14213,7 @@
           <p:cNvPr id="8" name="Callout: Line 7">
             <a:extLst>
               <a:ext uri="{FF2B5EF4-FFF2-40B4-BE49-F238E27FC236}">
-                <a16:creationId xmlns:a16="http://schemas.microsoft.com/office/drawing/2014/main" xmlns="" id="{0DBBA1F2-2484-41A2-A3C6-2EEEBDFA60E2}"/>
+                <a16:creationId xmlns="" xmlns:a16="http://schemas.microsoft.com/office/drawing/2014/main" id="{0DBBA1F2-2484-41A2-A3C6-2EEEBDFA60E2}"/>
               </a:ext>
             </a:extLst>
           </p:cNvPr>
@@ -14336,7 +14304,7 @@
         </p:nvSpPr>
         <p:spPr>
           <a:xfrm>
-            <a:off x="754745" y="0"/>
+            <a:off x="754743" y="0"/>
             <a:ext cx="10682515" cy="6858000"/>
           </a:xfrm>
         </p:spPr>
@@ -14383,7 +14351,23 @@
                 <a:ea typeface="Times New Roman" charset="0"/>
                 <a:cs typeface="Times New Roman" charset="0"/>
               </a:rPr>
-              <a:t>CC BY-NC 4.0. To view a copy of this license, visit </a:t>
+              <a:t>CC </a:t>
+            </a:r>
+            <a:r>
+              <a:rPr lang="en-US" sz="2800" dirty="0">
+                <a:latin typeface="Times New Roman" charset="0"/>
+                <a:ea typeface="Times New Roman" charset="0"/>
+                <a:cs typeface="Times New Roman" charset="0"/>
+              </a:rPr>
+              <a:t>BY-SA </a:t>
+            </a:r>
+            <a:r>
+              <a:rPr lang="en-US" sz="2800" dirty="0">
+                <a:latin typeface="Times New Roman" charset="0"/>
+                <a:ea typeface="Times New Roman" charset="0"/>
+                <a:cs typeface="Times New Roman" charset="0"/>
+              </a:rPr>
+              <a:t>4.0. To view a copy of this license, visit </a:t>
             </a:r>
             <a:r>
               <a:rPr lang="en-US" sz="2800" dirty="0">
@@ -14392,7 +14376,16 @@
                 <a:cs typeface="Times New Roman" charset="0"/>
                 <a:hlinkClick r:id="rId2"/>
               </a:rPr>
-              <a:t>https://creativecommons.org/licenses/by-nc/4.0</a:t>
+              <a:t>https://</a:t>
+            </a:r>
+            <a:r>
+              <a:rPr lang="en-US" sz="2800" dirty="0">
+                <a:latin typeface="Times New Roman" charset="0"/>
+                <a:ea typeface="Times New Roman" charset="0"/>
+                <a:cs typeface="Times New Roman" charset="0"/>
+                <a:hlinkClick r:id="rId2"/>
+              </a:rPr>
+              <a:t>creativecommons.org/licenses/by-sa/4.0</a:t>
             </a:r>
             <a:r>
               <a:rPr lang="en-US" sz="2800" dirty="0">
@@ -14546,20 +14539,13 @@
     </p:spTree>
     <p:extLst>
       <p:ext uri="{BB962C8B-B14F-4D97-AF65-F5344CB8AC3E}">
-        <p14:creationId xmlns:p14="http://schemas.microsoft.com/office/powerpoint/2010/main" val="970650733"/>
+        <p14:creationId xmlns:p14="http://schemas.microsoft.com/office/powerpoint/2010/main" val="1969464066"/>
       </p:ext>
     </p:extLst>
   </p:cSld>
   <p:clrMapOvr>
     <a:masterClrMapping/>
   </p:clrMapOvr>
-  <p:timing>
-    <p:tnLst>
-      <p:par>
-        <p:cTn id="1" dur="indefinite" restart="never" nodeType="tmRoot"/>
-      </p:par>
-    </p:tnLst>
-  </p:timing>
 </p:sld>
 </file>
 
@@ -14585,7 +14571,7 @@
           <p:cNvPr id="2" name="Title 1">
             <a:extLst>
               <a:ext uri="{FF2B5EF4-FFF2-40B4-BE49-F238E27FC236}">
-                <a16:creationId xmlns:a16="http://schemas.microsoft.com/office/drawing/2014/main" xmlns="" id="{6795887E-5046-4629-B241-28F70D8B65C9}"/>
+                <a16:creationId xmlns="" xmlns:a16="http://schemas.microsoft.com/office/drawing/2014/main" id="{6795887E-5046-4629-B241-28F70D8B65C9}"/>
               </a:ext>
             </a:extLst>
           </p:cNvPr>
@@ -14618,7 +14604,7 @@
           <p:cNvPr id="4" name="Rectangle 3">
             <a:extLst>
               <a:ext uri="{FF2B5EF4-FFF2-40B4-BE49-F238E27FC236}">
-                <a16:creationId xmlns:a16="http://schemas.microsoft.com/office/drawing/2014/main" xmlns="" id="{3AD6D25D-2609-480F-8577-A2F78AF2C472}"/>
+                <a16:creationId xmlns="" xmlns:a16="http://schemas.microsoft.com/office/drawing/2014/main" id="{3AD6D25D-2609-480F-8577-A2F78AF2C472}"/>
               </a:ext>
             </a:extLst>
           </p:cNvPr>
@@ -14782,7 +14768,7 @@
           <p:cNvPr id="5" name="Rectangle: Rounded Corners 4">
             <a:extLst>
               <a:ext uri="{FF2B5EF4-FFF2-40B4-BE49-F238E27FC236}">
-                <a16:creationId xmlns:a16="http://schemas.microsoft.com/office/drawing/2014/main" xmlns="" id="{A108F600-E8C4-4E22-BFF8-5A187E979E74}"/>
+                <a16:creationId xmlns="" xmlns:a16="http://schemas.microsoft.com/office/drawing/2014/main" id="{A108F600-E8C4-4E22-BFF8-5A187E979E74}"/>
               </a:ext>
             </a:extLst>
           </p:cNvPr>
@@ -14831,7 +14817,7 @@
           <p:cNvPr id="7" name="Straight Arrow Connector 6">
             <a:extLst>
               <a:ext uri="{FF2B5EF4-FFF2-40B4-BE49-F238E27FC236}">
-                <a16:creationId xmlns:a16="http://schemas.microsoft.com/office/drawing/2014/main" xmlns="" id="{3223562E-BAE9-4481-A9A0-BC0A73817075}"/>
+                <a16:creationId xmlns="" xmlns:a16="http://schemas.microsoft.com/office/drawing/2014/main" id="{3223562E-BAE9-4481-A9A0-BC0A73817075}"/>
               </a:ext>
             </a:extLst>
           </p:cNvPr>
@@ -14902,7 +14888,7 @@
           <p:cNvPr id="2" name="Title 1">
             <a:extLst>
               <a:ext uri="{FF2B5EF4-FFF2-40B4-BE49-F238E27FC236}">
-                <a16:creationId xmlns:a16="http://schemas.microsoft.com/office/drawing/2014/main" xmlns="" id="{6CFB3856-8FB6-4BD2-A86B-08E11E67F70F}"/>
+                <a16:creationId xmlns="" xmlns:a16="http://schemas.microsoft.com/office/drawing/2014/main" id="{6CFB3856-8FB6-4BD2-A86B-08E11E67F70F}"/>
               </a:ext>
             </a:extLst>
           </p:cNvPr>
@@ -14930,7 +14916,7 @@
           <p:cNvPr id="3" name="Content Placeholder 2">
             <a:extLst>
               <a:ext uri="{FF2B5EF4-FFF2-40B4-BE49-F238E27FC236}">
-                <a16:creationId xmlns:a16="http://schemas.microsoft.com/office/drawing/2014/main" xmlns="" id="{0D4EC3AF-3EA1-45D0-B85A-D82F2248E1F8}"/>
+                <a16:creationId xmlns="" xmlns:a16="http://schemas.microsoft.com/office/drawing/2014/main" id="{0D4EC3AF-3EA1-45D0-B85A-D82F2248E1F8}"/>
               </a:ext>
             </a:extLst>
           </p:cNvPr>
@@ -15031,7 +15017,7 @@
           <p:cNvPr id="4" name="Picture 3">
             <a:extLst>
               <a:ext uri="{FF2B5EF4-FFF2-40B4-BE49-F238E27FC236}">
-                <a16:creationId xmlns:a16="http://schemas.microsoft.com/office/drawing/2014/main" xmlns="" id="{AF5467CC-8FE3-42BB-B967-488065A7ED0E}"/>
+                <a16:creationId xmlns="" xmlns:a16="http://schemas.microsoft.com/office/drawing/2014/main" id="{AF5467CC-8FE3-42BB-B967-488065A7ED0E}"/>
               </a:ext>
             </a:extLst>
           </p:cNvPr>
@@ -15091,7 +15077,7 @@
           <p:cNvPr id="2" name="Title 1">
             <a:extLst>
               <a:ext uri="{FF2B5EF4-FFF2-40B4-BE49-F238E27FC236}">
-                <a16:creationId xmlns:a16="http://schemas.microsoft.com/office/drawing/2014/main" xmlns="" id="{8671A06F-5AB2-4110-99DC-F4F2F395F49E}"/>
+                <a16:creationId xmlns="" xmlns:a16="http://schemas.microsoft.com/office/drawing/2014/main" id="{8671A06F-5AB2-4110-99DC-F4F2F395F49E}"/>
               </a:ext>
             </a:extLst>
           </p:cNvPr>
@@ -15119,7 +15105,7 @@
           <p:cNvPr id="4" name="Content Placeholder 3">
             <a:extLst>
               <a:ext uri="{FF2B5EF4-FFF2-40B4-BE49-F238E27FC236}">
-                <a16:creationId xmlns:a16="http://schemas.microsoft.com/office/drawing/2014/main" xmlns="" id="{D4DD1E93-AE72-4F31-B215-101EDAF1159D}"/>
+                <a16:creationId xmlns="" xmlns:a16="http://schemas.microsoft.com/office/drawing/2014/main" id="{D4DD1E93-AE72-4F31-B215-101EDAF1159D}"/>
               </a:ext>
             </a:extLst>
           </p:cNvPr>
@@ -15204,7 +15190,7 @@
           <p:cNvPr id="2" name="Title 1">
             <a:extLst>
               <a:ext uri="{FF2B5EF4-FFF2-40B4-BE49-F238E27FC236}">
-                <a16:creationId xmlns:a16="http://schemas.microsoft.com/office/drawing/2014/main" xmlns="" id="{13EA94C6-DEEE-4B12-A746-4BE0DE180DD9}"/>
+                <a16:creationId xmlns="" xmlns:a16="http://schemas.microsoft.com/office/drawing/2014/main" id="{13EA94C6-DEEE-4B12-A746-4BE0DE180DD9}"/>
               </a:ext>
             </a:extLst>
           </p:cNvPr>
@@ -15262,7 +15248,7 @@
           <p:cNvPr id="2" name="Title 1">
             <a:extLst>
               <a:ext uri="{FF2B5EF4-FFF2-40B4-BE49-F238E27FC236}">
-                <a16:creationId xmlns:a16="http://schemas.microsoft.com/office/drawing/2014/main" xmlns="" id="{C4F03D19-DD24-4137-8C37-9698963957C1}"/>
+                <a16:creationId xmlns="" xmlns:a16="http://schemas.microsoft.com/office/drawing/2014/main" id="{C4F03D19-DD24-4137-8C37-9698963957C1}"/>
               </a:ext>
             </a:extLst>
           </p:cNvPr>
@@ -15290,7 +15276,7 @@
           <p:cNvPr id="3" name="Content Placeholder 2">
             <a:extLst>
               <a:ext uri="{FF2B5EF4-FFF2-40B4-BE49-F238E27FC236}">
-                <a16:creationId xmlns:a16="http://schemas.microsoft.com/office/drawing/2014/main" xmlns="" id="{7CDC6CAB-3A26-4D04-8C08-4F76FFFD58BA}"/>
+                <a16:creationId xmlns="" xmlns:a16="http://schemas.microsoft.com/office/drawing/2014/main" id="{7CDC6CAB-3A26-4D04-8C08-4F76FFFD58BA}"/>
               </a:ext>
             </a:extLst>
           </p:cNvPr>
@@ -15368,7 +15354,7 @@
           <p:cNvPr id="2" name="Title 1">
             <a:extLst>
               <a:ext uri="{FF2B5EF4-FFF2-40B4-BE49-F238E27FC236}">
-                <a16:creationId xmlns:a16="http://schemas.microsoft.com/office/drawing/2014/main" xmlns="" id="{D0C7DF2E-C79C-4A6E-9834-CD0FFA69AB0E}"/>
+                <a16:creationId xmlns="" xmlns:a16="http://schemas.microsoft.com/office/drawing/2014/main" id="{D0C7DF2E-C79C-4A6E-9834-CD0FFA69AB0E}"/>
               </a:ext>
             </a:extLst>
           </p:cNvPr>
@@ -15396,7 +15382,7 @@
           <p:cNvPr id="3" name="Content Placeholder 2">
             <a:extLst>
               <a:ext uri="{FF2B5EF4-FFF2-40B4-BE49-F238E27FC236}">
-                <a16:creationId xmlns:a16="http://schemas.microsoft.com/office/drawing/2014/main" xmlns="" id="{72BEDCB5-D7B4-4AD0-9E56-D2C0A42986C4}"/>
+                <a16:creationId xmlns="" xmlns:a16="http://schemas.microsoft.com/office/drawing/2014/main" id="{72BEDCB5-D7B4-4AD0-9E56-D2C0A42986C4}"/>
               </a:ext>
             </a:extLst>
           </p:cNvPr>
@@ -15508,7 +15494,7 @@
           <p:cNvPr id="2" name="Title 1">
             <a:extLst>
               <a:ext uri="{FF2B5EF4-FFF2-40B4-BE49-F238E27FC236}">
-                <a16:creationId xmlns:a16="http://schemas.microsoft.com/office/drawing/2014/main" xmlns="" id="{D0C7DF2E-C79C-4A6E-9834-CD0FFA69AB0E}"/>
+                <a16:creationId xmlns="" xmlns:a16="http://schemas.microsoft.com/office/drawing/2014/main" id="{D0C7DF2E-C79C-4A6E-9834-CD0FFA69AB0E}"/>
               </a:ext>
             </a:extLst>
           </p:cNvPr>
@@ -15536,7 +15522,7 @@
           <p:cNvPr id="3" name="Content Placeholder 2">
             <a:extLst>
               <a:ext uri="{FF2B5EF4-FFF2-40B4-BE49-F238E27FC236}">
-                <a16:creationId xmlns:a16="http://schemas.microsoft.com/office/drawing/2014/main" xmlns="" id="{72BEDCB5-D7B4-4AD0-9E56-D2C0A42986C4}"/>
+                <a16:creationId xmlns="" xmlns:a16="http://schemas.microsoft.com/office/drawing/2014/main" id="{72BEDCB5-D7B4-4AD0-9E56-D2C0A42986C4}"/>
               </a:ext>
             </a:extLst>
           </p:cNvPr>
@@ -15569,7 +15555,7 @@
           <p:cNvPr id="4" name="Rectangle 3">
             <a:extLst>
               <a:ext uri="{FF2B5EF4-FFF2-40B4-BE49-F238E27FC236}">
-                <a16:creationId xmlns:a16="http://schemas.microsoft.com/office/drawing/2014/main" xmlns="" id="{121DBF10-671B-4973-8A74-8252B01819A2}"/>
+                <a16:creationId xmlns="" xmlns:a16="http://schemas.microsoft.com/office/drawing/2014/main" id="{121DBF10-671B-4973-8A74-8252B01819A2}"/>
               </a:ext>
             </a:extLst>
           </p:cNvPr>
@@ -15618,7 +15604,7 @@
           <p:cNvPr id="5" name="Rectangle 4">
             <a:extLst>
               <a:ext uri="{FF2B5EF4-FFF2-40B4-BE49-F238E27FC236}">
-                <a16:creationId xmlns:a16="http://schemas.microsoft.com/office/drawing/2014/main" xmlns="" id="{8DF17437-D78E-4756-8EC8-E1A9BE69A3A5}"/>
+                <a16:creationId xmlns="" xmlns:a16="http://schemas.microsoft.com/office/drawing/2014/main" id="{8DF17437-D78E-4756-8EC8-E1A9BE69A3A5}"/>
               </a:ext>
             </a:extLst>
           </p:cNvPr>
@@ -15667,7 +15653,7 @@
           <p:cNvPr id="6" name="Flowchart: Connector 5">
             <a:extLst>
               <a:ext uri="{FF2B5EF4-FFF2-40B4-BE49-F238E27FC236}">
-                <a16:creationId xmlns:a16="http://schemas.microsoft.com/office/drawing/2014/main" xmlns="" id="{86D069EA-1DB8-409D-9552-58855E93DBBB}"/>
+                <a16:creationId xmlns="" xmlns:a16="http://schemas.microsoft.com/office/drawing/2014/main" id="{86D069EA-1DB8-409D-9552-58855E93DBBB}"/>
               </a:ext>
             </a:extLst>
           </p:cNvPr>
@@ -15716,7 +15702,7 @@
           <p:cNvPr id="8" name="Straight Arrow Connector 7">
             <a:extLst>
               <a:ext uri="{FF2B5EF4-FFF2-40B4-BE49-F238E27FC236}">
-                <a16:creationId xmlns:a16="http://schemas.microsoft.com/office/drawing/2014/main" xmlns="" id="{0B20CA98-CB0C-486C-97F3-BA876BD3CD18}"/>
+                <a16:creationId xmlns="" xmlns:a16="http://schemas.microsoft.com/office/drawing/2014/main" id="{0B20CA98-CB0C-486C-97F3-BA876BD3CD18}"/>
               </a:ext>
             </a:extLst>
           </p:cNvPr>
@@ -15758,7 +15744,7 @@
           <p:cNvPr id="10" name="Straight Arrow Connector 9">
             <a:extLst>
               <a:ext uri="{FF2B5EF4-FFF2-40B4-BE49-F238E27FC236}">
-                <a16:creationId xmlns:a16="http://schemas.microsoft.com/office/drawing/2014/main" xmlns="" id="{FB3A530E-AD31-4F74-BA5E-0E264FC8776D}"/>
+                <a16:creationId xmlns="" xmlns:a16="http://schemas.microsoft.com/office/drawing/2014/main" id="{FB3A530E-AD31-4F74-BA5E-0E264FC8776D}"/>
               </a:ext>
             </a:extLst>
           </p:cNvPr>
@@ -15800,7 +15786,7 @@
           <p:cNvPr id="11" name="Rectangle 10">
             <a:extLst>
               <a:ext uri="{FF2B5EF4-FFF2-40B4-BE49-F238E27FC236}">
-                <a16:creationId xmlns:a16="http://schemas.microsoft.com/office/drawing/2014/main" xmlns="" id="{56189065-8890-445A-B132-7A981256E862}"/>
+                <a16:creationId xmlns="" xmlns:a16="http://schemas.microsoft.com/office/drawing/2014/main" id="{56189065-8890-445A-B132-7A981256E862}"/>
               </a:ext>
             </a:extLst>
           </p:cNvPr>
@@ -15849,7 +15835,7 @@
           <p:cNvPr id="12" name="Rectangle 11">
             <a:extLst>
               <a:ext uri="{FF2B5EF4-FFF2-40B4-BE49-F238E27FC236}">
-                <a16:creationId xmlns:a16="http://schemas.microsoft.com/office/drawing/2014/main" xmlns="" id="{AFDEFD90-AEE4-4B87-8D0F-70E45198336F}"/>
+                <a16:creationId xmlns="" xmlns:a16="http://schemas.microsoft.com/office/drawing/2014/main" id="{AFDEFD90-AEE4-4B87-8D0F-70E45198336F}"/>
               </a:ext>
             </a:extLst>
           </p:cNvPr>
@@ -15898,7 +15884,7 @@
           <p:cNvPr id="13" name="Flowchart: Connector 12">
             <a:extLst>
               <a:ext uri="{FF2B5EF4-FFF2-40B4-BE49-F238E27FC236}">
-                <a16:creationId xmlns:a16="http://schemas.microsoft.com/office/drawing/2014/main" xmlns="" id="{F770C9D7-B7AE-4CE9-B7F0-A6BE6C46BE47}"/>
+                <a16:creationId xmlns="" xmlns:a16="http://schemas.microsoft.com/office/drawing/2014/main" id="{F770C9D7-B7AE-4CE9-B7F0-A6BE6C46BE47}"/>
               </a:ext>
             </a:extLst>
           </p:cNvPr>
@@ -15947,7 +15933,7 @@
           <p:cNvPr id="14" name="Straight Arrow Connector 13">
             <a:extLst>
               <a:ext uri="{FF2B5EF4-FFF2-40B4-BE49-F238E27FC236}">
-                <a16:creationId xmlns:a16="http://schemas.microsoft.com/office/drawing/2014/main" xmlns="" id="{536FB7FD-B88A-4A3A-B187-2F5494748E65}"/>
+                <a16:creationId xmlns="" xmlns:a16="http://schemas.microsoft.com/office/drawing/2014/main" id="{536FB7FD-B88A-4A3A-B187-2F5494748E65}"/>
               </a:ext>
             </a:extLst>
           </p:cNvPr>
@@ -15990,7 +15976,7 @@
           <p:cNvPr id="15" name="Straight Arrow Connector 14">
             <a:extLst>
               <a:ext uri="{FF2B5EF4-FFF2-40B4-BE49-F238E27FC236}">
-                <a16:creationId xmlns:a16="http://schemas.microsoft.com/office/drawing/2014/main" xmlns="" id="{B1534CA2-E7C8-4AEE-8FD3-30B1E26AECA2}"/>
+                <a16:creationId xmlns="" xmlns:a16="http://schemas.microsoft.com/office/drawing/2014/main" id="{B1534CA2-E7C8-4AEE-8FD3-30B1E26AECA2}"/>
               </a:ext>
             </a:extLst>
           </p:cNvPr>
@@ -16033,7 +16019,7 @@
           <p:cNvPr id="24" name="Rectangle 23">
             <a:extLst>
               <a:ext uri="{FF2B5EF4-FFF2-40B4-BE49-F238E27FC236}">
-                <a16:creationId xmlns:a16="http://schemas.microsoft.com/office/drawing/2014/main" xmlns="" id="{816E34A8-C157-4B1C-8FA8-79077E1F54EE}"/>
+                <a16:creationId xmlns="" xmlns:a16="http://schemas.microsoft.com/office/drawing/2014/main" id="{816E34A8-C157-4B1C-8FA8-79077E1F54EE}"/>
               </a:ext>
             </a:extLst>
           </p:cNvPr>
@@ -16082,7 +16068,7 @@
           <p:cNvPr id="29" name="Flowchart: Connector 28">
             <a:extLst>
               <a:ext uri="{FF2B5EF4-FFF2-40B4-BE49-F238E27FC236}">
-                <a16:creationId xmlns:a16="http://schemas.microsoft.com/office/drawing/2014/main" xmlns="" id="{38703AA1-CAFC-4491-AE18-ED3532F2F018}"/>
+                <a16:creationId xmlns="" xmlns:a16="http://schemas.microsoft.com/office/drawing/2014/main" id="{38703AA1-CAFC-4491-AE18-ED3532F2F018}"/>
               </a:ext>
             </a:extLst>
           </p:cNvPr>
@@ -16131,7 +16117,7 @@
           <p:cNvPr id="30" name="Straight Arrow Connector 29">
             <a:extLst>
               <a:ext uri="{FF2B5EF4-FFF2-40B4-BE49-F238E27FC236}">
-                <a16:creationId xmlns:a16="http://schemas.microsoft.com/office/drawing/2014/main" xmlns="" id="{B1B461F6-71DB-4EEB-B58D-A9DC4E8342C5}"/>
+                <a16:creationId xmlns="" xmlns:a16="http://schemas.microsoft.com/office/drawing/2014/main" id="{B1B461F6-71DB-4EEB-B58D-A9DC4E8342C5}"/>
               </a:ext>
             </a:extLst>
           </p:cNvPr>
@@ -16173,7 +16159,7 @@
           <p:cNvPr id="32" name="Straight Arrow Connector 31">
             <a:extLst>
               <a:ext uri="{FF2B5EF4-FFF2-40B4-BE49-F238E27FC236}">
-                <a16:creationId xmlns:a16="http://schemas.microsoft.com/office/drawing/2014/main" xmlns="" id="{A4E7E42A-8637-4C2A-A926-0DE33E992ECA}"/>
+                <a16:creationId xmlns="" xmlns:a16="http://schemas.microsoft.com/office/drawing/2014/main" id="{A4E7E42A-8637-4C2A-A926-0DE33E992ECA}"/>
               </a:ext>
             </a:extLst>
           </p:cNvPr>
@@ -16216,7 +16202,7 @@
           <p:cNvPr id="36" name="Flowchart: Connector 35">
             <a:extLst>
               <a:ext uri="{FF2B5EF4-FFF2-40B4-BE49-F238E27FC236}">
-                <a16:creationId xmlns:a16="http://schemas.microsoft.com/office/drawing/2014/main" xmlns="" id="{79C836E3-40E8-49DB-BEE3-77B63B5D10EB}"/>
+                <a16:creationId xmlns="" xmlns:a16="http://schemas.microsoft.com/office/drawing/2014/main" id="{79C836E3-40E8-49DB-BEE3-77B63B5D10EB}"/>
               </a:ext>
             </a:extLst>
           </p:cNvPr>
@@ -16265,7 +16251,7 @@
           <p:cNvPr id="37" name="Straight Arrow Connector 36">
             <a:extLst>
               <a:ext uri="{FF2B5EF4-FFF2-40B4-BE49-F238E27FC236}">
-                <a16:creationId xmlns:a16="http://schemas.microsoft.com/office/drawing/2014/main" xmlns="" id="{602DB4E6-BC6B-4EB4-8A08-5A9636AF87DA}"/>
+                <a16:creationId xmlns="" xmlns:a16="http://schemas.microsoft.com/office/drawing/2014/main" id="{602DB4E6-BC6B-4EB4-8A08-5A9636AF87DA}"/>
               </a:ext>
             </a:extLst>
           </p:cNvPr>
@@ -16308,7 +16294,7 @@
           <p:cNvPr id="40" name="Straight Arrow Connector 39">
             <a:extLst>
               <a:ext uri="{FF2B5EF4-FFF2-40B4-BE49-F238E27FC236}">
-                <a16:creationId xmlns:a16="http://schemas.microsoft.com/office/drawing/2014/main" xmlns="" id="{75A86867-4029-404C-8480-198664AE0ADB}"/>
+                <a16:creationId xmlns="" xmlns:a16="http://schemas.microsoft.com/office/drawing/2014/main" id="{75A86867-4029-404C-8480-198664AE0ADB}"/>
               </a:ext>
             </a:extLst>
           </p:cNvPr>
@@ -16351,7 +16337,7 @@
           <p:cNvPr id="46" name="Rectangle 45">
             <a:extLst>
               <a:ext uri="{FF2B5EF4-FFF2-40B4-BE49-F238E27FC236}">
-                <a16:creationId xmlns:a16="http://schemas.microsoft.com/office/drawing/2014/main" xmlns="" id="{3F358C86-311D-4BD6-9B82-632CB11CA8C8}"/>
+                <a16:creationId xmlns="" xmlns:a16="http://schemas.microsoft.com/office/drawing/2014/main" id="{3F358C86-311D-4BD6-9B82-632CB11CA8C8}"/>
               </a:ext>
             </a:extLst>
           </p:cNvPr>
@@ -16400,7 +16386,7 @@
           <p:cNvPr id="47" name="Straight Arrow Connector 46">
             <a:extLst>
               <a:ext uri="{FF2B5EF4-FFF2-40B4-BE49-F238E27FC236}">
-                <a16:creationId xmlns:a16="http://schemas.microsoft.com/office/drawing/2014/main" xmlns="" id="{7D4C0DD6-5729-42E8-90C7-74A6D8847018}"/>
+                <a16:creationId xmlns="" xmlns:a16="http://schemas.microsoft.com/office/drawing/2014/main" id="{7D4C0DD6-5729-42E8-90C7-74A6D8847018}"/>
               </a:ext>
             </a:extLst>
           </p:cNvPr>
@@ -16443,7 +16429,7 @@
           <p:cNvPr id="52" name="Rectangle 51">
             <a:extLst>
               <a:ext uri="{FF2B5EF4-FFF2-40B4-BE49-F238E27FC236}">
-                <a16:creationId xmlns:a16="http://schemas.microsoft.com/office/drawing/2014/main" xmlns="" id="{735FAA7A-7500-460C-8E84-A0079ABDCFF9}"/>
+                <a16:creationId xmlns="" xmlns:a16="http://schemas.microsoft.com/office/drawing/2014/main" id="{735FAA7A-7500-460C-8E84-A0079ABDCFF9}"/>
               </a:ext>
             </a:extLst>
           </p:cNvPr>
@@ -16492,7 +16478,7 @@
           <p:cNvPr id="57" name="Flowchart: Connector 56">
             <a:extLst>
               <a:ext uri="{FF2B5EF4-FFF2-40B4-BE49-F238E27FC236}">
-                <a16:creationId xmlns:a16="http://schemas.microsoft.com/office/drawing/2014/main" xmlns="" id="{AA769599-F307-4E22-8C3C-41DD63CECF6D}"/>
+                <a16:creationId xmlns="" xmlns:a16="http://schemas.microsoft.com/office/drawing/2014/main" id="{AA769599-F307-4E22-8C3C-41DD63CECF6D}"/>
               </a:ext>
             </a:extLst>
           </p:cNvPr>
@@ -16541,7 +16527,7 @@
           <p:cNvPr id="60" name="Straight Arrow Connector 59">
             <a:extLst>
               <a:ext uri="{FF2B5EF4-FFF2-40B4-BE49-F238E27FC236}">
-                <a16:creationId xmlns:a16="http://schemas.microsoft.com/office/drawing/2014/main" xmlns="" id="{A7EE97F5-FC3F-435E-AA65-3A4C52161EA2}"/>
+                <a16:creationId xmlns="" xmlns:a16="http://schemas.microsoft.com/office/drawing/2014/main" id="{A7EE97F5-FC3F-435E-AA65-3A4C52161EA2}"/>
               </a:ext>
             </a:extLst>
           </p:cNvPr>
@@ -16584,7 +16570,7 @@
           <p:cNvPr id="70" name="Straight Arrow Connector 69">
             <a:extLst>
               <a:ext uri="{FF2B5EF4-FFF2-40B4-BE49-F238E27FC236}">
-                <a16:creationId xmlns:a16="http://schemas.microsoft.com/office/drawing/2014/main" xmlns="" id="{14A3DC0F-6FA1-42C2-BF16-E23A44C72714}"/>
+                <a16:creationId xmlns="" xmlns:a16="http://schemas.microsoft.com/office/drawing/2014/main" id="{14A3DC0F-6FA1-42C2-BF16-E23A44C72714}"/>
               </a:ext>
             </a:extLst>
           </p:cNvPr>
@@ -16657,7 +16643,7 @@
           <p:cNvPr id="2" name="Title 1">
             <a:extLst>
               <a:ext uri="{FF2B5EF4-FFF2-40B4-BE49-F238E27FC236}">
-                <a16:creationId xmlns:a16="http://schemas.microsoft.com/office/drawing/2014/main" xmlns="" id="{4F6D3DF2-106D-4275-90B3-94ED9474D50E}"/>
+                <a16:creationId xmlns="" xmlns:a16="http://schemas.microsoft.com/office/drawing/2014/main" id="{4F6D3DF2-106D-4275-90B3-94ED9474D50E}"/>
               </a:ext>
             </a:extLst>
           </p:cNvPr>
@@ -16685,7 +16671,7 @@
           <p:cNvPr id="3" name="Content Placeholder 2">
             <a:extLst>
               <a:ext uri="{FF2B5EF4-FFF2-40B4-BE49-F238E27FC236}">
-                <a16:creationId xmlns:a16="http://schemas.microsoft.com/office/drawing/2014/main" xmlns="" id="{A400E9BF-30F7-4642-9673-80C564844F6A}"/>
+                <a16:creationId xmlns="" xmlns:a16="http://schemas.microsoft.com/office/drawing/2014/main" id="{A400E9BF-30F7-4642-9673-80C564844F6A}"/>
               </a:ext>
             </a:extLst>
           </p:cNvPr>
@@ -16817,7 +16803,7 @@
           <p:cNvPr id="2" name="Title 1">
             <a:extLst>
               <a:ext uri="{FF2B5EF4-FFF2-40B4-BE49-F238E27FC236}">
-                <a16:creationId xmlns:a16="http://schemas.microsoft.com/office/drawing/2014/main" xmlns="" id="{DEB57BB6-ED3E-4D0E-B3C7-1CFE7EBB71DF}"/>
+                <a16:creationId xmlns="" xmlns:a16="http://schemas.microsoft.com/office/drawing/2014/main" id="{DEB57BB6-ED3E-4D0E-B3C7-1CFE7EBB71DF}"/>
               </a:ext>
             </a:extLst>
           </p:cNvPr>
@@ -16845,7 +16831,7 @@
           <p:cNvPr id="3" name="Content Placeholder 2">
             <a:extLst>
               <a:ext uri="{FF2B5EF4-FFF2-40B4-BE49-F238E27FC236}">
-                <a16:creationId xmlns:a16="http://schemas.microsoft.com/office/drawing/2014/main" xmlns="" id="{23F16490-047C-4176-BED8-9A040AE759B3}"/>
+                <a16:creationId xmlns="" xmlns:a16="http://schemas.microsoft.com/office/drawing/2014/main" id="{23F16490-047C-4176-BED8-9A040AE759B3}"/>
               </a:ext>
             </a:extLst>
           </p:cNvPr>
@@ -16875,7 +16861,7 @@
           <p:cNvPr id="6" name="Rectangle 5">
             <a:extLst>
               <a:ext uri="{FF2B5EF4-FFF2-40B4-BE49-F238E27FC236}">
-                <a16:creationId xmlns:a16="http://schemas.microsoft.com/office/drawing/2014/main" xmlns="" id="{630C7412-8EAC-43FE-BD0C-F43AA3C3C3E9}"/>
+                <a16:creationId xmlns="" xmlns:a16="http://schemas.microsoft.com/office/drawing/2014/main" id="{630C7412-8EAC-43FE-BD0C-F43AA3C3C3E9}"/>
               </a:ext>
             </a:extLst>
           </p:cNvPr>
@@ -17115,7 +17101,7 @@
           <p:cNvPr id="2" name="Title 1">
             <a:extLst>
               <a:ext uri="{FF2B5EF4-FFF2-40B4-BE49-F238E27FC236}">
-                <a16:creationId xmlns:a16="http://schemas.microsoft.com/office/drawing/2014/main" xmlns="" id="{2E62BAE7-6D19-4A34-AB51-79CDB9714575}"/>
+                <a16:creationId xmlns="" xmlns:a16="http://schemas.microsoft.com/office/drawing/2014/main" id="{2E62BAE7-6D19-4A34-AB51-79CDB9714575}"/>
               </a:ext>
             </a:extLst>
           </p:cNvPr>
@@ -17143,7 +17129,7 @@
           <p:cNvPr id="3" name="Content Placeholder 2">
             <a:extLst>
               <a:ext uri="{FF2B5EF4-FFF2-40B4-BE49-F238E27FC236}">
-                <a16:creationId xmlns:a16="http://schemas.microsoft.com/office/drawing/2014/main" xmlns="" id="{D45EAFA6-F1B2-4EEE-B6B3-0004B3D7713A}"/>
+                <a16:creationId xmlns="" xmlns:a16="http://schemas.microsoft.com/office/drawing/2014/main" id="{D45EAFA6-F1B2-4EEE-B6B3-0004B3D7713A}"/>
               </a:ext>
             </a:extLst>
           </p:cNvPr>
